--- a/Open-Source Software Discovery and Vulnerability Analysis.pptx
+++ b/Open-Source Software Discovery and Vulnerability Analysis.pptx
@@ -5,14 +5,25 @@
     <p:sldMasterId id="2147483678" r:id="rId1"/>
   </p:sldMasterIdLst>
   <p:notesMasterIdLst>
-    <p:notesMasterId r:id="rId4"/>
+    <p:notesMasterId r:id="rId15"/>
   </p:notesMasterIdLst>
   <p:handoutMasterIdLst>
-    <p:handoutMasterId r:id="rId5"/>
+    <p:handoutMasterId r:id="rId16"/>
   </p:handoutMasterIdLst>
   <p:sldIdLst>
     <p:sldId id="256" r:id="rId2"/>
     <p:sldId id="257" r:id="rId3"/>
+    <p:sldId id="258" r:id="rId4"/>
+    <p:sldId id="259" r:id="rId5"/>
+    <p:sldId id="267" r:id="rId6"/>
+    <p:sldId id="265" r:id="rId7"/>
+    <p:sldId id="266" r:id="rId8"/>
+    <p:sldId id="260" r:id="rId9"/>
+    <p:sldId id="261" r:id="rId10"/>
+    <p:sldId id="268" r:id="rId11"/>
+    <p:sldId id="262" r:id="rId12"/>
+    <p:sldId id="263" r:id="rId13"/>
+    <p:sldId id="264" r:id="rId14"/>
   </p:sldIdLst>
   <p:sldSz cx="9144000" cy="6858000" type="screen4x3"/>
   <p:notesSz cx="7099300" cy="10234613"/>
@@ -273,7 +284,7 @@
             <a:fld id="{5BB45A7C-CD8D-4615-9E21-7904701129AE}" type="datetimeFigureOut">
               <a:rPr lang="de-DE"/>
               <a:pPr/>
-              <a:t>27.09.2021</a:t>
+              <a:t>12.10.2021</a:t>
             </a:fld>
             <a:endParaRPr lang="de-DE"/>
           </a:p>
@@ -1257,7 +1268,7 @@
             <a:fld id="{7339B080-6172-4DC7-9FC0-D18295017917}" type="datetime1">
               <a:rPr lang="de-DE"/>
               <a:pPr/>
-              <a:t>27.09.2021</a:t>
+              <a:t>12.10.2021</a:t>
             </a:fld>
             <a:endParaRPr lang="de-DE"/>
           </a:p>
@@ -1560,7 +1571,7 @@
             <a:fld id="{4B008DF5-449C-4CDB-99E5-200AB76F51BF}" type="datetime1">
               <a:rPr lang="de-DE" smtClean="0"/>
               <a:pPr/>
-              <a:t>27.09.2021</a:t>
+              <a:t>12.10.2021</a:t>
             </a:fld>
             <a:endParaRPr lang="de-DE"/>
           </a:p>
@@ -1971,7 +1982,7 @@
             <a:fld id="{4B008DF5-449C-4CDB-99E5-200AB76F51BF}" type="datetime1">
               <a:rPr lang="de-DE"/>
               <a:pPr/>
-              <a:t>27.09.2021</a:t>
+              <a:t>12.10.2021</a:t>
             </a:fld>
             <a:endParaRPr lang="de-DE" dirty="0"/>
           </a:p>
@@ -2486,7 +2497,7 @@
             <a:fld id="{FF8ABF28-FF76-4557-B3E8-A52709328A63}" type="datetime1">
               <a:rPr lang="de-DE"/>
               <a:pPr/>
-              <a:t>27.09.2021</a:t>
+              <a:t>12.10.2021</a:t>
             </a:fld>
             <a:endParaRPr lang="de-DE" dirty="0"/>
           </a:p>
@@ -2543,6 +2554,636 @@
         </p:txBody>
       </p:sp>
     </p:spTree>
+  </p:cSld>
+  <p:clrMapOvr>
+    <a:masterClrMapping/>
+  </p:clrMapOvr>
+</p:sld>
+</file>
+
+<file path=ppt/slides/slide10.xml><?xml version="1.0" encoding="utf-8"?>
+<p:sld xmlns:a="http://schemas.openxmlformats.org/drawingml/2006/main" xmlns:r="http://schemas.openxmlformats.org/officeDocument/2006/relationships" xmlns:p="http://schemas.openxmlformats.org/presentationml/2006/main">
+  <p:cSld>
+    <p:spTree>
+      <p:nvGrpSpPr>
+        <p:cNvPr id="1" name=""/>
+        <p:cNvGrpSpPr/>
+        <p:nvPr/>
+      </p:nvGrpSpPr>
+      <p:grpSpPr>
+        <a:xfrm>
+          <a:off x="0" y="0"/>
+          <a:ext cx="0" cy="0"/>
+          <a:chOff x="0" y="0"/>
+          <a:chExt cx="0" cy="0"/>
+        </a:xfrm>
+      </p:grpSpPr>
+      <p:sp>
+        <p:nvSpPr>
+          <p:cNvPr id="2" name="Title 1">
+            <a:extLst>
+              <a:ext uri="{FF2B5EF4-FFF2-40B4-BE49-F238E27FC236}">
+                <a16:creationId xmlns:a16="http://schemas.microsoft.com/office/drawing/2014/main" id="{955A4FF1-B985-41EB-894C-4964FAE13196}"/>
+              </a:ext>
+            </a:extLst>
+          </p:cNvPr>
+          <p:cNvSpPr>
+            <a:spLocks noGrp="1"/>
+          </p:cNvSpPr>
+          <p:nvPr>
+            <p:ph type="title"/>
+          </p:nvPr>
+        </p:nvSpPr>
+        <p:spPr/>
+        <p:txBody>
+          <a:bodyPr/>
+          <a:lstStyle/>
+          <a:p>
+            <a:r>
+              <a:rPr lang="en-US" dirty="0"/>
+              <a:t>Contd..</a:t>
+            </a:r>
+          </a:p>
+        </p:txBody>
+      </p:sp>
+      <p:sp>
+        <p:nvSpPr>
+          <p:cNvPr id="3" name="Date Placeholder 2">
+            <a:extLst>
+              <a:ext uri="{FF2B5EF4-FFF2-40B4-BE49-F238E27FC236}">
+                <a16:creationId xmlns:a16="http://schemas.microsoft.com/office/drawing/2014/main" id="{6167330D-D149-46C6-B779-45B072BF4B66}"/>
+              </a:ext>
+            </a:extLst>
+          </p:cNvPr>
+          <p:cNvSpPr>
+            <a:spLocks noGrp="1"/>
+          </p:cNvSpPr>
+          <p:nvPr>
+            <p:ph type="dt" sz="half" idx="10"/>
+          </p:nvPr>
+        </p:nvSpPr>
+        <p:spPr/>
+        <p:txBody>
+          <a:bodyPr/>
+          <a:lstStyle/>
+          <a:p>
+            <a:fld id="{4B008DF5-449C-4CDB-99E5-200AB76F51BF}" type="datetime1">
+              <a:rPr lang="de-DE" smtClean="0"/>
+              <a:pPr/>
+              <a:t>12.10.2021</a:t>
+            </a:fld>
+            <a:endParaRPr lang="de-DE"/>
+          </a:p>
+        </p:txBody>
+      </p:sp>
+      <p:sp>
+        <p:nvSpPr>
+          <p:cNvPr id="4" name="Slide Number Placeholder 3">
+            <a:extLst>
+              <a:ext uri="{FF2B5EF4-FFF2-40B4-BE49-F238E27FC236}">
+                <a16:creationId xmlns:a16="http://schemas.microsoft.com/office/drawing/2014/main" id="{C32F4C0C-2D1B-443E-8A62-DB4CD0C563E0}"/>
+              </a:ext>
+            </a:extLst>
+          </p:cNvPr>
+          <p:cNvSpPr>
+            <a:spLocks noGrp="1"/>
+          </p:cNvSpPr>
+          <p:nvPr>
+            <p:ph type="sldNum" sz="quarter" idx="12"/>
+          </p:nvPr>
+        </p:nvSpPr>
+        <p:spPr/>
+        <p:txBody>
+          <a:bodyPr/>
+          <a:lstStyle/>
+          <a:p>
+            <a:fld id="{50E76E58-F275-47A3-BB17-470016A267B6}" type="slidenum">
+              <a:rPr lang="de-DE" smtClean="0"/>
+              <a:pPr/>
+              <a:t>10</a:t>
+            </a:fld>
+            <a:endParaRPr lang="de-DE"/>
+          </a:p>
+        </p:txBody>
+      </p:sp>
+      <p:sp>
+        <p:nvSpPr>
+          <p:cNvPr id="5" name="Text Placeholder 4">
+            <a:extLst>
+              <a:ext uri="{FF2B5EF4-FFF2-40B4-BE49-F238E27FC236}">
+                <a16:creationId xmlns:a16="http://schemas.microsoft.com/office/drawing/2014/main" id="{BE858FFB-5A18-4D9F-B022-9998DCCA3EF7}"/>
+              </a:ext>
+            </a:extLst>
+          </p:cNvPr>
+          <p:cNvSpPr>
+            <a:spLocks noGrp="1"/>
+          </p:cNvSpPr>
+          <p:nvPr>
+            <p:ph type="body" sz="quarter" idx="13"/>
+          </p:nvPr>
+        </p:nvSpPr>
+        <p:spPr/>
+        <p:txBody>
+          <a:bodyPr/>
+          <a:lstStyle/>
+          <a:p>
+            <a:r>
+              <a:rPr lang="en-US" dirty="0"/>
+              <a:t>OSS Component Evaluator:</a:t>
+            </a:r>
+          </a:p>
+          <a:p>
+            <a:pPr lvl="1"/>
+            <a:r>
+              <a:rPr lang="en-US" dirty="0"/>
+              <a:t>Written as REST API services.</a:t>
+            </a:r>
+          </a:p>
+          <a:p>
+            <a:pPr lvl="1"/>
+            <a:r>
+              <a:rPr lang="en-US" dirty="0"/>
+              <a:t>Each component will be searched in NVD database.</a:t>
+            </a:r>
+          </a:p>
+          <a:p>
+            <a:pPr lvl="1"/>
+            <a:r>
+              <a:rPr lang="en-US" dirty="0"/>
+              <a:t>First CPE search – to verify the component.</a:t>
+            </a:r>
+          </a:p>
+          <a:p>
+            <a:pPr lvl="1"/>
+            <a:r>
+              <a:rPr lang="en-US" dirty="0"/>
+              <a:t>Second retrieves vulnerability information from CVE dictionary.</a:t>
+            </a:r>
+          </a:p>
+          <a:p>
+            <a:pPr lvl="1"/>
+            <a:r>
+              <a:rPr lang="en-US" dirty="0"/>
+              <a:t>Each CVE record is registered with </a:t>
+            </a:r>
+            <a:r>
+              <a:rPr lang="en-US" dirty="0" err="1"/>
+              <a:t>cpeName</a:t>
+            </a:r>
+            <a:r>
+              <a:rPr lang="en-US" dirty="0"/>
+              <a:t> string.</a:t>
+            </a:r>
+          </a:p>
+          <a:p>
+            <a:pPr lvl="1"/>
+            <a:r>
+              <a:rPr lang="en-US" dirty="0"/>
+              <a:t>All the relevant information is stored in Azure blob storage.</a:t>
+            </a:r>
+          </a:p>
+          <a:p>
+            <a:pPr lvl="1"/>
+            <a:endParaRPr lang="en-US" dirty="0"/>
+          </a:p>
+        </p:txBody>
+      </p:sp>
+    </p:spTree>
+    <p:extLst>
+      <p:ext uri="{BB962C8B-B14F-4D97-AF65-F5344CB8AC3E}">
+        <p14:creationId xmlns:p14="http://schemas.microsoft.com/office/powerpoint/2010/main" val="3700011427"/>
+      </p:ext>
+    </p:extLst>
+  </p:cSld>
+  <p:clrMapOvr>
+    <a:masterClrMapping/>
+  </p:clrMapOvr>
+</p:sld>
+</file>
+
+<file path=ppt/slides/slide11.xml><?xml version="1.0" encoding="utf-8"?>
+<p:sld xmlns:a="http://schemas.openxmlformats.org/drawingml/2006/main" xmlns:r="http://schemas.openxmlformats.org/officeDocument/2006/relationships" xmlns:p="http://schemas.openxmlformats.org/presentationml/2006/main">
+  <p:cSld>
+    <p:spTree>
+      <p:nvGrpSpPr>
+        <p:cNvPr id="1" name=""/>
+        <p:cNvGrpSpPr/>
+        <p:nvPr/>
+      </p:nvGrpSpPr>
+      <p:grpSpPr>
+        <a:xfrm>
+          <a:off x="0" y="0"/>
+          <a:ext cx="0" cy="0"/>
+          <a:chOff x="0" y="0"/>
+          <a:chExt cx="0" cy="0"/>
+        </a:xfrm>
+      </p:grpSpPr>
+      <p:sp>
+        <p:nvSpPr>
+          <p:cNvPr id="2" name="Title 1">
+            <a:extLst>
+              <a:ext uri="{FF2B5EF4-FFF2-40B4-BE49-F238E27FC236}">
+                <a16:creationId xmlns:a16="http://schemas.microsoft.com/office/drawing/2014/main" id="{7D9E27EC-5C50-45D1-A5B7-2C8EF6D530C0}"/>
+              </a:ext>
+            </a:extLst>
+          </p:cNvPr>
+          <p:cNvSpPr>
+            <a:spLocks noGrp="1"/>
+          </p:cNvSpPr>
+          <p:nvPr>
+            <p:ph type="title"/>
+          </p:nvPr>
+        </p:nvSpPr>
+        <p:spPr/>
+        <p:txBody>
+          <a:bodyPr/>
+          <a:lstStyle/>
+          <a:p>
+            <a:r>
+              <a:rPr lang="en-US" dirty="0"/>
+              <a:t>Challenges</a:t>
+            </a:r>
+          </a:p>
+        </p:txBody>
+      </p:sp>
+      <p:sp>
+        <p:nvSpPr>
+          <p:cNvPr id="3" name="Date Placeholder 2">
+            <a:extLst>
+              <a:ext uri="{FF2B5EF4-FFF2-40B4-BE49-F238E27FC236}">
+                <a16:creationId xmlns:a16="http://schemas.microsoft.com/office/drawing/2014/main" id="{C6205AAC-F0D4-43A3-A25A-00EFAEF2A719}"/>
+              </a:ext>
+            </a:extLst>
+          </p:cNvPr>
+          <p:cNvSpPr>
+            <a:spLocks noGrp="1"/>
+          </p:cNvSpPr>
+          <p:nvPr>
+            <p:ph type="dt" sz="half" idx="10"/>
+          </p:nvPr>
+        </p:nvSpPr>
+        <p:spPr/>
+        <p:txBody>
+          <a:bodyPr/>
+          <a:lstStyle/>
+          <a:p>
+            <a:fld id="{4B008DF5-449C-4CDB-99E5-200AB76F51BF}" type="datetime1">
+              <a:rPr lang="de-DE" smtClean="0"/>
+              <a:pPr/>
+              <a:t>12.10.2021</a:t>
+            </a:fld>
+            <a:endParaRPr lang="de-DE"/>
+          </a:p>
+        </p:txBody>
+      </p:sp>
+      <p:sp>
+        <p:nvSpPr>
+          <p:cNvPr id="4" name="Slide Number Placeholder 3">
+            <a:extLst>
+              <a:ext uri="{FF2B5EF4-FFF2-40B4-BE49-F238E27FC236}">
+                <a16:creationId xmlns:a16="http://schemas.microsoft.com/office/drawing/2014/main" id="{FCA0C266-1ED6-414C-8332-96C616F6566F}"/>
+              </a:ext>
+            </a:extLst>
+          </p:cNvPr>
+          <p:cNvSpPr>
+            <a:spLocks noGrp="1"/>
+          </p:cNvSpPr>
+          <p:nvPr>
+            <p:ph type="sldNum" sz="quarter" idx="12"/>
+          </p:nvPr>
+        </p:nvSpPr>
+        <p:spPr/>
+        <p:txBody>
+          <a:bodyPr/>
+          <a:lstStyle/>
+          <a:p>
+            <a:fld id="{50E76E58-F275-47A3-BB17-470016A267B6}" type="slidenum">
+              <a:rPr lang="de-DE" smtClean="0"/>
+              <a:pPr/>
+              <a:t>11</a:t>
+            </a:fld>
+            <a:endParaRPr lang="de-DE"/>
+          </a:p>
+        </p:txBody>
+      </p:sp>
+      <p:sp>
+        <p:nvSpPr>
+          <p:cNvPr id="5" name="Text Placeholder 4">
+            <a:extLst>
+              <a:ext uri="{FF2B5EF4-FFF2-40B4-BE49-F238E27FC236}">
+                <a16:creationId xmlns:a16="http://schemas.microsoft.com/office/drawing/2014/main" id="{5B61D442-0C89-4492-BD9E-16DC5D569F80}"/>
+              </a:ext>
+            </a:extLst>
+          </p:cNvPr>
+          <p:cNvSpPr>
+            <a:spLocks noGrp="1"/>
+          </p:cNvSpPr>
+          <p:nvPr>
+            <p:ph type="body" sz="quarter" idx="13"/>
+          </p:nvPr>
+        </p:nvSpPr>
+        <p:spPr/>
+        <p:txBody>
+          <a:bodyPr/>
+          <a:lstStyle/>
+          <a:p>
+            <a:endParaRPr lang="en-US" dirty="0"/>
+          </a:p>
+        </p:txBody>
+      </p:sp>
+    </p:spTree>
+    <p:extLst>
+      <p:ext uri="{BB962C8B-B14F-4D97-AF65-F5344CB8AC3E}">
+        <p14:creationId xmlns:p14="http://schemas.microsoft.com/office/powerpoint/2010/main" val="51991537"/>
+      </p:ext>
+    </p:extLst>
+  </p:cSld>
+  <p:clrMapOvr>
+    <a:masterClrMapping/>
+  </p:clrMapOvr>
+</p:sld>
+</file>
+
+<file path=ppt/slides/slide12.xml><?xml version="1.0" encoding="utf-8"?>
+<p:sld xmlns:a="http://schemas.openxmlformats.org/drawingml/2006/main" xmlns:r="http://schemas.openxmlformats.org/officeDocument/2006/relationships" xmlns:p="http://schemas.openxmlformats.org/presentationml/2006/main">
+  <p:cSld>
+    <p:spTree>
+      <p:nvGrpSpPr>
+        <p:cNvPr id="1" name=""/>
+        <p:cNvGrpSpPr/>
+        <p:nvPr/>
+      </p:nvGrpSpPr>
+      <p:grpSpPr>
+        <a:xfrm>
+          <a:off x="0" y="0"/>
+          <a:ext cx="0" cy="0"/>
+          <a:chOff x="0" y="0"/>
+          <a:chExt cx="0" cy="0"/>
+        </a:xfrm>
+      </p:grpSpPr>
+      <p:sp>
+        <p:nvSpPr>
+          <p:cNvPr id="2" name="Title 1">
+            <a:extLst>
+              <a:ext uri="{FF2B5EF4-FFF2-40B4-BE49-F238E27FC236}">
+                <a16:creationId xmlns:a16="http://schemas.microsoft.com/office/drawing/2014/main" id="{6587BE95-A18E-4D6A-AADC-8B0F385517A8}"/>
+              </a:ext>
+            </a:extLst>
+          </p:cNvPr>
+          <p:cNvSpPr>
+            <a:spLocks noGrp="1"/>
+          </p:cNvSpPr>
+          <p:nvPr>
+            <p:ph type="title"/>
+          </p:nvPr>
+        </p:nvSpPr>
+        <p:spPr/>
+        <p:txBody>
+          <a:bodyPr/>
+          <a:lstStyle/>
+          <a:p>
+            <a:r>
+              <a:rPr lang="en-US" dirty="0"/>
+              <a:t>Results</a:t>
+            </a:r>
+          </a:p>
+        </p:txBody>
+      </p:sp>
+      <p:sp>
+        <p:nvSpPr>
+          <p:cNvPr id="3" name="Date Placeholder 2">
+            <a:extLst>
+              <a:ext uri="{FF2B5EF4-FFF2-40B4-BE49-F238E27FC236}">
+                <a16:creationId xmlns:a16="http://schemas.microsoft.com/office/drawing/2014/main" id="{EA6F7490-8B6B-49F8-8CD4-A46A8CC28852}"/>
+              </a:ext>
+            </a:extLst>
+          </p:cNvPr>
+          <p:cNvSpPr>
+            <a:spLocks noGrp="1"/>
+          </p:cNvSpPr>
+          <p:nvPr>
+            <p:ph type="dt" sz="half" idx="10"/>
+          </p:nvPr>
+        </p:nvSpPr>
+        <p:spPr/>
+        <p:txBody>
+          <a:bodyPr/>
+          <a:lstStyle/>
+          <a:p>
+            <a:fld id="{4B008DF5-449C-4CDB-99E5-200AB76F51BF}" type="datetime1">
+              <a:rPr lang="de-DE" smtClean="0"/>
+              <a:pPr/>
+              <a:t>12.10.2021</a:t>
+            </a:fld>
+            <a:endParaRPr lang="de-DE"/>
+          </a:p>
+        </p:txBody>
+      </p:sp>
+      <p:sp>
+        <p:nvSpPr>
+          <p:cNvPr id="4" name="Slide Number Placeholder 3">
+            <a:extLst>
+              <a:ext uri="{FF2B5EF4-FFF2-40B4-BE49-F238E27FC236}">
+                <a16:creationId xmlns:a16="http://schemas.microsoft.com/office/drawing/2014/main" id="{3652633F-8FA3-4AB1-A038-EA6816D66261}"/>
+              </a:ext>
+            </a:extLst>
+          </p:cNvPr>
+          <p:cNvSpPr>
+            <a:spLocks noGrp="1"/>
+          </p:cNvSpPr>
+          <p:nvPr>
+            <p:ph type="sldNum" sz="quarter" idx="12"/>
+          </p:nvPr>
+        </p:nvSpPr>
+        <p:spPr/>
+        <p:txBody>
+          <a:bodyPr/>
+          <a:lstStyle/>
+          <a:p>
+            <a:fld id="{50E76E58-F275-47A3-BB17-470016A267B6}" type="slidenum">
+              <a:rPr lang="de-DE" smtClean="0"/>
+              <a:pPr/>
+              <a:t>12</a:t>
+            </a:fld>
+            <a:endParaRPr lang="de-DE"/>
+          </a:p>
+        </p:txBody>
+      </p:sp>
+      <p:sp>
+        <p:nvSpPr>
+          <p:cNvPr id="5" name="Text Placeholder 4">
+            <a:extLst>
+              <a:ext uri="{FF2B5EF4-FFF2-40B4-BE49-F238E27FC236}">
+                <a16:creationId xmlns:a16="http://schemas.microsoft.com/office/drawing/2014/main" id="{226F6BC4-B400-4D67-B31D-E0E0E95FA5BE}"/>
+              </a:ext>
+            </a:extLst>
+          </p:cNvPr>
+          <p:cNvSpPr>
+            <a:spLocks noGrp="1"/>
+          </p:cNvSpPr>
+          <p:nvPr>
+            <p:ph type="body" sz="quarter" idx="13"/>
+          </p:nvPr>
+        </p:nvSpPr>
+        <p:spPr/>
+        <p:txBody>
+          <a:bodyPr/>
+          <a:lstStyle/>
+          <a:p>
+            <a:endParaRPr lang="en-US"/>
+          </a:p>
+        </p:txBody>
+      </p:sp>
+    </p:spTree>
+    <p:extLst>
+      <p:ext uri="{BB962C8B-B14F-4D97-AF65-F5344CB8AC3E}">
+        <p14:creationId xmlns:p14="http://schemas.microsoft.com/office/powerpoint/2010/main" val="2852519957"/>
+      </p:ext>
+    </p:extLst>
+  </p:cSld>
+  <p:clrMapOvr>
+    <a:masterClrMapping/>
+  </p:clrMapOvr>
+</p:sld>
+</file>
+
+<file path=ppt/slides/slide13.xml><?xml version="1.0" encoding="utf-8"?>
+<p:sld xmlns:a="http://schemas.openxmlformats.org/drawingml/2006/main" xmlns:r="http://schemas.openxmlformats.org/officeDocument/2006/relationships" xmlns:p="http://schemas.openxmlformats.org/presentationml/2006/main">
+  <p:cSld>
+    <p:spTree>
+      <p:nvGrpSpPr>
+        <p:cNvPr id="1" name=""/>
+        <p:cNvGrpSpPr/>
+        <p:nvPr/>
+      </p:nvGrpSpPr>
+      <p:grpSpPr>
+        <a:xfrm>
+          <a:off x="0" y="0"/>
+          <a:ext cx="0" cy="0"/>
+          <a:chOff x="0" y="0"/>
+          <a:chExt cx="0" cy="0"/>
+        </a:xfrm>
+      </p:grpSpPr>
+      <p:sp>
+        <p:nvSpPr>
+          <p:cNvPr id="2" name="Title 1">
+            <a:extLst>
+              <a:ext uri="{FF2B5EF4-FFF2-40B4-BE49-F238E27FC236}">
+                <a16:creationId xmlns:a16="http://schemas.microsoft.com/office/drawing/2014/main" id="{3962DCFE-25AE-4D82-B037-C12A36442B33}"/>
+              </a:ext>
+            </a:extLst>
+          </p:cNvPr>
+          <p:cNvSpPr>
+            <a:spLocks noGrp="1"/>
+          </p:cNvSpPr>
+          <p:nvPr>
+            <p:ph type="title"/>
+          </p:nvPr>
+        </p:nvSpPr>
+        <p:spPr/>
+        <p:txBody>
+          <a:bodyPr/>
+          <a:lstStyle/>
+          <a:p>
+            <a:r>
+              <a:rPr lang="en-US"/>
+              <a:t>Future work</a:t>
+            </a:r>
+            <a:endParaRPr lang="en-US" dirty="0"/>
+          </a:p>
+        </p:txBody>
+      </p:sp>
+      <p:sp>
+        <p:nvSpPr>
+          <p:cNvPr id="3" name="Date Placeholder 2">
+            <a:extLst>
+              <a:ext uri="{FF2B5EF4-FFF2-40B4-BE49-F238E27FC236}">
+                <a16:creationId xmlns:a16="http://schemas.microsoft.com/office/drawing/2014/main" id="{63154C1F-A516-4CF3-B1B5-C7C28D528745}"/>
+              </a:ext>
+            </a:extLst>
+          </p:cNvPr>
+          <p:cNvSpPr>
+            <a:spLocks noGrp="1"/>
+          </p:cNvSpPr>
+          <p:nvPr>
+            <p:ph type="dt" sz="half" idx="10"/>
+          </p:nvPr>
+        </p:nvSpPr>
+        <p:spPr/>
+        <p:txBody>
+          <a:bodyPr/>
+          <a:lstStyle/>
+          <a:p>
+            <a:fld id="{4B008DF5-449C-4CDB-99E5-200AB76F51BF}" type="datetime1">
+              <a:rPr lang="de-DE" smtClean="0"/>
+              <a:pPr/>
+              <a:t>12.10.2021</a:t>
+            </a:fld>
+            <a:endParaRPr lang="de-DE"/>
+          </a:p>
+        </p:txBody>
+      </p:sp>
+      <p:sp>
+        <p:nvSpPr>
+          <p:cNvPr id="4" name="Slide Number Placeholder 3">
+            <a:extLst>
+              <a:ext uri="{FF2B5EF4-FFF2-40B4-BE49-F238E27FC236}">
+                <a16:creationId xmlns:a16="http://schemas.microsoft.com/office/drawing/2014/main" id="{D9426A66-8765-4BE0-BDFB-112F70749DE0}"/>
+              </a:ext>
+            </a:extLst>
+          </p:cNvPr>
+          <p:cNvSpPr>
+            <a:spLocks noGrp="1"/>
+          </p:cNvSpPr>
+          <p:nvPr>
+            <p:ph type="sldNum" sz="quarter" idx="12"/>
+          </p:nvPr>
+        </p:nvSpPr>
+        <p:spPr/>
+        <p:txBody>
+          <a:bodyPr/>
+          <a:lstStyle/>
+          <a:p>
+            <a:fld id="{50E76E58-F275-47A3-BB17-470016A267B6}" type="slidenum">
+              <a:rPr lang="de-DE" smtClean="0"/>
+              <a:pPr/>
+              <a:t>13</a:t>
+            </a:fld>
+            <a:endParaRPr lang="de-DE"/>
+          </a:p>
+        </p:txBody>
+      </p:sp>
+      <p:sp>
+        <p:nvSpPr>
+          <p:cNvPr id="5" name="Text Placeholder 4">
+            <a:extLst>
+              <a:ext uri="{FF2B5EF4-FFF2-40B4-BE49-F238E27FC236}">
+                <a16:creationId xmlns:a16="http://schemas.microsoft.com/office/drawing/2014/main" id="{8742739B-181A-4BCF-B965-00464BDD4694}"/>
+              </a:ext>
+            </a:extLst>
+          </p:cNvPr>
+          <p:cNvSpPr>
+            <a:spLocks noGrp="1"/>
+          </p:cNvSpPr>
+          <p:nvPr>
+            <p:ph type="body" sz="quarter" idx="13"/>
+          </p:nvPr>
+        </p:nvSpPr>
+        <p:spPr/>
+        <p:txBody>
+          <a:bodyPr/>
+          <a:lstStyle/>
+          <a:p>
+            <a:endParaRPr lang="en-US"/>
+          </a:p>
+        </p:txBody>
+      </p:sp>
+    </p:spTree>
+    <p:extLst>
+      <p:ext uri="{BB962C8B-B14F-4D97-AF65-F5344CB8AC3E}">
+        <p14:creationId xmlns:p14="http://schemas.microsoft.com/office/powerpoint/2010/main" val="1361594742"/>
+      </p:ext>
+    </p:extLst>
   </p:cSld>
   <p:clrMapOvr>
     <a:masterClrMapping/>
@@ -2619,7 +3260,7 @@
             <a:fld id="{4B008DF5-449C-4CDB-99E5-200AB76F51BF}" type="datetime1">
               <a:rPr lang="de-DE" smtClean="0"/>
               <a:pPr/>
-              <a:t>27.09.2021</a:t>
+              <a:t>12.10.2021</a:t>
             </a:fld>
             <a:endParaRPr lang="de-DE"/>
           </a:p>
@@ -2680,19 +3321,30 @@
               <a:rPr lang="de-DE" dirty="0" err="1"/>
               <a:t>Introduction</a:t>
             </a:r>
+            <a:endParaRPr lang="de-DE" dirty="0"/>
+          </a:p>
+          <a:p>
             <a:r>
               <a:rPr lang="de-DE" dirty="0"/>
-              <a:t> – Problem Statement – Motivation</a:t>
-            </a:r>
-          </a:p>
-          <a:p>
-            <a:r>
-              <a:rPr lang="de-DE" dirty="0" err="1"/>
-              <a:t>Architetcure</a:t>
-            </a:r>
-            <a:r>
-              <a:rPr lang="de-DE"/>
-              <a:t> – Implementation</a:t>
+              <a:t>Problem Statement  </a:t>
+            </a:r>
+          </a:p>
+          <a:p>
+            <a:r>
+              <a:rPr lang="de-DE" dirty="0"/>
+              <a:t>Motivation</a:t>
+            </a:r>
+          </a:p>
+          <a:p>
+            <a:r>
+              <a:rPr lang="de-DE" dirty="0"/>
+              <a:t>Architecture </a:t>
+            </a:r>
+          </a:p>
+          <a:p>
+            <a:r>
+              <a:rPr lang="de-DE" dirty="0"/>
+              <a:t>Implementation</a:t>
             </a:r>
           </a:p>
           <a:p>
@@ -2736,6 +3388,1342 @@
     <p:extLst>
       <p:ext uri="{BB962C8B-B14F-4D97-AF65-F5344CB8AC3E}">
         <p14:creationId xmlns:p14="http://schemas.microsoft.com/office/powerpoint/2010/main" val="2221079396"/>
+      </p:ext>
+    </p:extLst>
+  </p:cSld>
+  <p:clrMapOvr>
+    <a:masterClrMapping/>
+  </p:clrMapOvr>
+</p:sld>
+</file>
+
+<file path=ppt/slides/slide3.xml><?xml version="1.0" encoding="utf-8"?>
+<p:sld xmlns:a="http://schemas.openxmlformats.org/drawingml/2006/main" xmlns:r="http://schemas.openxmlformats.org/officeDocument/2006/relationships" xmlns:p="http://schemas.openxmlformats.org/presentationml/2006/main">
+  <p:cSld>
+    <p:spTree>
+      <p:nvGrpSpPr>
+        <p:cNvPr id="1" name=""/>
+        <p:cNvGrpSpPr/>
+        <p:nvPr/>
+      </p:nvGrpSpPr>
+      <p:grpSpPr>
+        <a:xfrm>
+          <a:off x="0" y="0"/>
+          <a:ext cx="0" cy="0"/>
+          <a:chOff x="0" y="0"/>
+          <a:chExt cx="0" cy="0"/>
+        </a:xfrm>
+      </p:grpSpPr>
+      <p:sp>
+        <p:nvSpPr>
+          <p:cNvPr id="2" name="Title 1">
+            <a:extLst>
+              <a:ext uri="{FF2B5EF4-FFF2-40B4-BE49-F238E27FC236}">
+                <a16:creationId xmlns:a16="http://schemas.microsoft.com/office/drawing/2014/main" id="{69D56109-4810-4B14-8298-055426364523}"/>
+              </a:ext>
+            </a:extLst>
+          </p:cNvPr>
+          <p:cNvSpPr>
+            <a:spLocks noGrp="1"/>
+          </p:cNvSpPr>
+          <p:nvPr>
+            <p:ph type="title"/>
+          </p:nvPr>
+        </p:nvSpPr>
+        <p:spPr/>
+        <p:txBody>
+          <a:bodyPr/>
+          <a:lstStyle/>
+          <a:p>
+            <a:r>
+              <a:rPr lang="en-US" dirty="0"/>
+              <a:t>Introduction</a:t>
+            </a:r>
+          </a:p>
+        </p:txBody>
+      </p:sp>
+      <p:sp>
+        <p:nvSpPr>
+          <p:cNvPr id="3" name="Date Placeholder 2">
+            <a:extLst>
+              <a:ext uri="{FF2B5EF4-FFF2-40B4-BE49-F238E27FC236}">
+                <a16:creationId xmlns:a16="http://schemas.microsoft.com/office/drawing/2014/main" id="{8814B0AF-0B4A-4F24-A2BA-A41E708AD51D}"/>
+              </a:ext>
+            </a:extLst>
+          </p:cNvPr>
+          <p:cNvSpPr>
+            <a:spLocks noGrp="1"/>
+          </p:cNvSpPr>
+          <p:nvPr>
+            <p:ph type="dt" sz="half" idx="10"/>
+          </p:nvPr>
+        </p:nvSpPr>
+        <p:spPr/>
+        <p:txBody>
+          <a:bodyPr/>
+          <a:lstStyle/>
+          <a:p>
+            <a:fld id="{4B008DF5-449C-4CDB-99E5-200AB76F51BF}" type="datetime1">
+              <a:rPr lang="de-DE" smtClean="0"/>
+              <a:pPr/>
+              <a:t>12.10.2021</a:t>
+            </a:fld>
+            <a:endParaRPr lang="de-DE"/>
+          </a:p>
+        </p:txBody>
+      </p:sp>
+      <p:sp>
+        <p:nvSpPr>
+          <p:cNvPr id="4" name="Slide Number Placeholder 3">
+            <a:extLst>
+              <a:ext uri="{FF2B5EF4-FFF2-40B4-BE49-F238E27FC236}">
+                <a16:creationId xmlns:a16="http://schemas.microsoft.com/office/drawing/2014/main" id="{E796FE4F-5580-4E72-BC55-1EF72D83BB52}"/>
+              </a:ext>
+            </a:extLst>
+          </p:cNvPr>
+          <p:cNvSpPr>
+            <a:spLocks noGrp="1"/>
+          </p:cNvSpPr>
+          <p:nvPr>
+            <p:ph type="sldNum" sz="quarter" idx="12"/>
+          </p:nvPr>
+        </p:nvSpPr>
+        <p:spPr/>
+        <p:txBody>
+          <a:bodyPr/>
+          <a:lstStyle/>
+          <a:p>
+            <a:fld id="{50E76E58-F275-47A3-BB17-470016A267B6}" type="slidenum">
+              <a:rPr lang="de-DE" smtClean="0"/>
+              <a:pPr/>
+              <a:t>3</a:t>
+            </a:fld>
+            <a:endParaRPr lang="de-DE"/>
+          </a:p>
+        </p:txBody>
+      </p:sp>
+      <p:sp>
+        <p:nvSpPr>
+          <p:cNvPr id="5" name="Text Placeholder 4">
+            <a:extLst>
+              <a:ext uri="{FF2B5EF4-FFF2-40B4-BE49-F238E27FC236}">
+                <a16:creationId xmlns:a16="http://schemas.microsoft.com/office/drawing/2014/main" id="{5D3EF2E3-3E54-4BDE-9457-943D6BF66061}"/>
+              </a:ext>
+            </a:extLst>
+          </p:cNvPr>
+          <p:cNvSpPr>
+            <a:spLocks noGrp="1"/>
+          </p:cNvSpPr>
+          <p:nvPr>
+            <p:ph type="body" sz="quarter" idx="13"/>
+          </p:nvPr>
+        </p:nvSpPr>
+        <p:spPr/>
+        <p:txBody>
+          <a:bodyPr/>
+          <a:lstStyle/>
+          <a:p>
+            <a:pPr marL="0" indent="0" algn="l">
+              <a:buNone/>
+            </a:pPr>
+            <a:r>
+              <a:rPr lang="en-US" b="0" i="0" u="none" strike="noStrike" baseline="0" dirty="0">
+                <a:latin typeface="CMR12"/>
+              </a:rPr>
+              <a:t>Today standard components are not re-written instead they are shared as packages around the world. Open Source Portals like GitHub and Gitlab make it very easy to share those components.</a:t>
+            </a:r>
+          </a:p>
+          <a:p>
+            <a:pPr marL="0" indent="0" algn="l">
+              <a:buNone/>
+            </a:pPr>
+            <a:endParaRPr lang="en-US" b="0" i="0" u="none" strike="noStrike" baseline="0" dirty="0">
+              <a:latin typeface="CMR12"/>
+            </a:endParaRPr>
+          </a:p>
+          <a:p>
+            <a:r>
+              <a:rPr lang="en-US" dirty="0"/>
+              <a:t>Shared-code culture.</a:t>
+            </a:r>
+          </a:p>
+          <a:p>
+            <a:r>
+              <a:rPr lang="en-US" dirty="0"/>
+              <a:t>Quick release.</a:t>
+            </a:r>
+          </a:p>
+          <a:p>
+            <a:r>
+              <a:rPr lang="en-US" dirty="0"/>
+              <a:t>Wide community</a:t>
+            </a:r>
+          </a:p>
+          <a:p>
+            <a:r>
+              <a:rPr lang="en-US" dirty="0"/>
+              <a:t>Transparency</a:t>
+            </a:r>
+          </a:p>
+          <a:p>
+            <a:r>
+              <a:rPr lang="en-US" dirty="0"/>
+              <a:t>Cost effective</a:t>
+            </a:r>
+          </a:p>
+          <a:p>
+            <a:endParaRPr lang="en-US" dirty="0"/>
+          </a:p>
+        </p:txBody>
+      </p:sp>
+    </p:spTree>
+    <p:extLst>
+      <p:ext uri="{BB962C8B-B14F-4D97-AF65-F5344CB8AC3E}">
+        <p14:creationId xmlns:p14="http://schemas.microsoft.com/office/powerpoint/2010/main" val="1852801894"/>
+      </p:ext>
+    </p:extLst>
+  </p:cSld>
+  <p:clrMapOvr>
+    <a:masterClrMapping/>
+  </p:clrMapOvr>
+</p:sld>
+</file>
+
+<file path=ppt/slides/slide4.xml><?xml version="1.0" encoding="utf-8"?>
+<p:sld xmlns:a="http://schemas.openxmlformats.org/drawingml/2006/main" xmlns:r="http://schemas.openxmlformats.org/officeDocument/2006/relationships" xmlns:p="http://schemas.openxmlformats.org/presentationml/2006/main">
+  <p:cSld>
+    <p:spTree>
+      <p:nvGrpSpPr>
+        <p:cNvPr id="1" name=""/>
+        <p:cNvGrpSpPr/>
+        <p:nvPr/>
+      </p:nvGrpSpPr>
+      <p:grpSpPr>
+        <a:xfrm>
+          <a:off x="0" y="0"/>
+          <a:ext cx="0" cy="0"/>
+          <a:chOff x="0" y="0"/>
+          <a:chExt cx="0" cy="0"/>
+        </a:xfrm>
+      </p:grpSpPr>
+      <p:sp>
+        <p:nvSpPr>
+          <p:cNvPr id="2" name="Title 1">
+            <a:extLst>
+              <a:ext uri="{FF2B5EF4-FFF2-40B4-BE49-F238E27FC236}">
+                <a16:creationId xmlns:a16="http://schemas.microsoft.com/office/drawing/2014/main" id="{7BBA5D36-2EF8-4A97-B313-EC170811351D}"/>
+              </a:ext>
+            </a:extLst>
+          </p:cNvPr>
+          <p:cNvSpPr>
+            <a:spLocks noGrp="1"/>
+          </p:cNvSpPr>
+          <p:nvPr>
+            <p:ph type="title"/>
+          </p:nvPr>
+        </p:nvSpPr>
+        <p:spPr/>
+        <p:txBody>
+          <a:bodyPr/>
+          <a:lstStyle/>
+          <a:p>
+            <a:r>
+              <a:rPr lang="en-US" dirty="0"/>
+              <a:t>Motivation</a:t>
+            </a:r>
+          </a:p>
+        </p:txBody>
+      </p:sp>
+      <p:sp>
+        <p:nvSpPr>
+          <p:cNvPr id="3" name="Date Placeholder 2">
+            <a:extLst>
+              <a:ext uri="{FF2B5EF4-FFF2-40B4-BE49-F238E27FC236}">
+                <a16:creationId xmlns:a16="http://schemas.microsoft.com/office/drawing/2014/main" id="{CA3BDD2F-9913-418F-91AD-476DBF7E6687}"/>
+              </a:ext>
+            </a:extLst>
+          </p:cNvPr>
+          <p:cNvSpPr>
+            <a:spLocks noGrp="1"/>
+          </p:cNvSpPr>
+          <p:nvPr>
+            <p:ph type="dt" sz="half" idx="10"/>
+          </p:nvPr>
+        </p:nvSpPr>
+        <p:spPr/>
+        <p:txBody>
+          <a:bodyPr/>
+          <a:lstStyle/>
+          <a:p>
+            <a:fld id="{4B008DF5-449C-4CDB-99E5-200AB76F51BF}" type="datetime1">
+              <a:rPr lang="de-DE" smtClean="0"/>
+              <a:pPr/>
+              <a:t>12.10.2021</a:t>
+            </a:fld>
+            <a:endParaRPr lang="de-DE"/>
+          </a:p>
+        </p:txBody>
+      </p:sp>
+      <p:sp>
+        <p:nvSpPr>
+          <p:cNvPr id="4" name="Slide Number Placeholder 3">
+            <a:extLst>
+              <a:ext uri="{FF2B5EF4-FFF2-40B4-BE49-F238E27FC236}">
+                <a16:creationId xmlns:a16="http://schemas.microsoft.com/office/drawing/2014/main" id="{B8B9E374-9DAB-4758-8194-90BF3065C7F6}"/>
+              </a:ext>
+            </a:extLst>
+          </p:cNvPr>
+          <p:cNvSpPr>
+            <a:spLocks noGrp="1"/>
+          </p:cNvSpPr>
+          <p:nvPr>
+            <p:ph type="sldNum" sz="quarter" idx="12"/>
+          </p:nvPr>
+        </p:nvSpPr>
+        <p:spPr/>
+        <p:txBody>
+          <a:bodyPr/>
+          <a:lstStyle/>
+          <a:p>
+            <a:fld id="{50E76E58-F275-47A3-BB17-470016A267B6}" type="slidenum">
+              <a:rPr lang="de-DE" smtClean="0"/>
+              <a:pPr/>
+              <a:t>4</a:t>
+            </a:fld>
+            <a:endParaRPr lang="de-DE"/>
+          </a:p>
+        </p:txBody>
+      </p:sp>
+      <p:sp>
+        <p:nvSpPr>
+          <p:cNvPr id="5" name="Text Placeholder 4">
+            <a:extLst>
+              <a:ext uri="{FF2B5EF4-FFF2-40B4-BE49-F238E27FC236}">
+                <a16:creationId xmlns:a16="http://schemas.microsoft.com/office/drawing/2014/main" id="{3B6C379B-2E85-43B3-B95A-B3A687A9AB2C}"/>
+              </a:ext>
+            </a:extLst>
+          </p:cNvPr>
+          <p:cNvSpPr>
+            <a:spLocks noGrp="1"/>
+          </p:cNvSpPr>
+          <p:nvPr>
+            <p:ph type="body" sz="quarter" idx="13"/>
+          </p:nvPr>
+        </p:nvSpPr>
+        <p:spPr/>
+        <p:txBody>
+          <a:bodyPr/>
+          <a:lstStyle/>
+          <a:p>
+            <a:r>
+              <a:rPr lang="en-US" dirty="0"/>
+              <a:t>High usage of software application.</a:t>
+            </a:r>
+          </a:p>
+          <a:p>
+            <a:r>
+              <a:rPr lang="en-US" dirty="0"/>
+              <a:t>Avoid security threats.</a:t>
+            </a:r>
+          </a:p>
+          <a:p>
+            <a:r>
+              <a:rPr lang="en-US" dirty="0"/>
+              <a:t>Choosing right software.</a:t>
+            </a:r>
+          </a:p>
+          <a:p>
+            <a:r>
+              <a:rPr lang="en-US" dirty="0"/>
+              <a:t>Expose known vulnerability.</a:t>
+            </a:r>
+          </a:p>
+          <a:p>
+            <a:r>
+              <a:rPr lang="en-US" dirty="0"/>
+              <a:t>Reduce risk management.</a:t>
+            </a:r>
+          </a:p>
+          <a:p>
+            <a:r>
+              <a:rPr lang="en-US" dirty="0"/>
+              <a:t>Automated open-source software scanning.</a:t>
+            </a:r>
+          </a:p>
+          <a:p>
+            <a:r>
+              <a:rPr lang="en-US" dirty="0"/>
+              <a:t>Use of Vulnerability Databases.</a:t>
+            </a:r>
+          </a:p>
+        </p:txBody>
+      </p:sp>
+    </p:spTree>
+    <p:extLst>
+      <p:ext uri="{BB962C8B-B14F-4D97-AF65-F5344CB8AC3E}">
+        <p14:creationId xmlns:p14="http://schemas.microsoft.com/office/powerpoint/2010/main" val="384095512"/>
+      </p:ext>
+    </p:extLst>
+  </p:cSld>
+  <p:clrMapOvr>
+    <a:masterClrMapping/>
+  </p:clrMapOvr>
+</p:sld>
+</file>
+
+<file path=ppt/slides/slide5.xml><?xml version="1.0" encoding="utf-8"?>
+<p:sld xmlns:a="http://schemas.openxmlformats.org/drawingml/2006/main" xmlns:r="http://schemas.openxmlformats.org/officeDocument/2006/relationships" xmlns:p="http://schemas.openxmlformats.org/presentationml/2006/main">
+  <p:cSld>
+    <p:spTree>
+      <p:nvGrpSpPr>
+        <p:cNvPr id="1" name=""/>
+        <p:cNvGrpSpPr/>
+        <p:nvPr/>
+      </p:nvGrpSpPr>
+      <p:grpSpPr>
+        <a:xfrm>
+          <a:off x="0" y="0"/>
+          <a:ext cx="0" cy="0"/>
+          <a:chOff x="0" y="0"/>
+          <a:chExt cx="0" cy="0"/>
+        </a:xfrm>
+      </p:grpSpPr>
+      <p:sp>
+        <p:nvSpPr>
+          <p:cNvPr id="2" name="Title 1">
+            <a:extLst>
+              <a:ext uri="{FF2B5EF4-FFF2-40B4-BE49-F238E27FC236}">
+                <a16:creationId xmlns:a16="http://schemas.microsoft.com/office/drawing/2014/main" id="{B7E80EAE-B79B-43EB-8261-40A62CF230AB}"/>
+              </a:ext>
+            </a:extLst>
+          </p:cNvPr>
+          <p:cNvSpPr>
+            <a:spLocks noGrp="1"/>
+          </p:cNvSpPr>
+          <p:nvPr>
+            <p:ph type="title"/>
+          </p:nvPr>
+        </p:nvSpPr>
+        <p:spPr/>
+        <p:txBody>
+          <a:bodyPr/>
+          <a:lstStyle/>
+          <a:p>
+            <a:r>
+              <a:rPr lang="en-US" dirty="0"/>
+              <a:t>Research Question.</a:t>
+            </a:r>
+          </a:p>
+        </p:txBody>
+      </p:sp>
+      <p:sp>
+        <p:nvSpPr>
+          <p:cNvPr id="3" name="Date Placeholder 2">
+            <a:extLst>
+              <a:ext uri="{FF2B5EF4-FFF2-40B4-BE49-F238E27FC236}">
+                <a16:creationId xmlns:a16="http://schemas.microsoft.com/office/drawing/2014/main" id="{D866DB86-FCCD-4D8C-8E19-1821793CC130}"/>
+              </a:ext>
+            </a:extLst>
+          </p:cNvPr>
+          <p:cNvSpPr>
+            <a:spLocks noGrp="1"/>
+          </p:cNvSpPr>
+          <p:nvPr>
+            <p:ph type="dt" sz="half" idx="10"/>
+          </p:nvPr>
+        </p:nvSpPr>
+        <p:spPr/>
+        <p:txBody>
+          <a:bodyPr/>
+          <a:lstStyle/>
+          <a:p>
+            <a:fld id="{4B008DF5-449C-4CDB-99E5-200AB76F51BF}" type="datetime1">
+              <a:rPr lang="de-DE" smtClean="0"/>
+              <a:pPr/>
+              <a:t>12.10.2021</a:t>
+            </a:fld>
+            <a:endParaRPr lang="de-DE"/>
+          </a:p>
+        </p:txBody>
+      </p:sp>
+      <p:sp>
+        <p:nvSpPr>
+          <p:cNvPr id="4" name="Slide Number Placeholder 3">
+            <a:extLst>
+              <a:ext uri="{FF2B5EF4-FFF2-40B4-BE49-F238E27FC236}">
+                <a16:creationId xmlns:a16="http://schemas.microsoft.com/office/drawing/2014/main" id="{9E871C08-6C41-4DD3-A340-3B82932A5A48}"/>
+              </a:ext>
+            </a:extLst>
+          </p:cNvPr>
+          <p:cNvSpPr>
+            <a:spLocks noGrp="1"/>
+          </p:cNvSpPr>
+          <p:nvPr>
+            <p:ph type="sldNum" sz="quarter" idx="12"/>
+          </p:nvPr>
+        </p:nvSpPr>
+        <p:spPr/>
+        <p:txBody>
+          <a:bodyPr/>
+          <a:lstStyle/>
+          <a:p>
+            <a:fld id="{50E76E58-F275-47A3-BB17-470016A267B6}" type="slidenum">
+              <a:rPr lang="de-DE" smtClean="0"/>
+              <a:pPr/>
+              <a:t>5</a:t>
+            </a:fld>
+            <a:endParaRPr lang="de-DE"/>
+          </a:p>
+        </p:txBody>
+      </p:sp>
+      <p:sp>
+        <p:nvSpPr>
+          <p:cNvPr id="5" name="Text Placeholder 4">
+            <a:extLst>
+              <a:ext uri="{FF2B5EF4-FFF2-40B4-BE49-F238E27FC236}">
+                <a16:creationId xmlns:a16="http://schemas.microsoft.com/office/drawing/2014/main" id="{4ACE285D-52B5-4E68-B21C-3F52057E1742}"/>
+              </a:ext>
+            </a:extLst>
+          </p:cNvPr>
+          <p:cNvSpPr>
+            <a:spLocks noGrp="1"/>
+          </p:cNvSpPr>
+          <p:nvPr>
+            <p:ph type="body" sz="quarter" idx="13"/>
+          </p:nvPr>
+        </p:nvSpPr>
+        <p:spPr/>
+        <p:txBody>
+          <a:bodyPr/>
+          <a:lstStyle/>
+          <a:p>
+            <a:r>
+              <a:rPr lang="en-US" dirty="0"/>
+              <a:t>What type of analysis method can be used for extracting the open-source software components from a software project?</a:t>
+            </a:r>
+          </a:p>
+          <a:p>
+            <a:r>
+              <a:rPr lang="en-US" dirty="0"/>
+              <a:t>How the software components can be evaluated to </a:t>
+            </a:r>
+            <a:r>
+              <a:rPr lang="en-US" dirty="0" err="1"/>
+              <a:t>nd</a:t>
+            </a:r>
+            <a:r>
+              <a:rPr lang="en-US" dirty="0"/>
+              <a:t> the vulnerability?</a:t>
+            </a:r>
+          </a:p>
+        </p:txBody>
+      </p:sp>
+    </p:spTree>
+    <p:extLst>
+      <p:ext uri="{BB962C8B-B14F-4D97-AF65-F5344CB8AC3E}">
+        <p14:creationId xmlns:p14="http://schemas.microsoft.com/office/powerpoint/2010/main" val="2188301077"/>
+      </p:ext>
+    </p:extLst>
+  </p:cSld>
+  <p:clrMapOvr>
+    <a:masterClrMapping/>
+  </p:clrMapOvr>
+</p:sld>
+</file>
+
+<file path=ppt/slides/slide6.xml><?xml version="1.0" encoding="utf-8"?>
+<p:sld xmlns:a="http://schemas.openxmlformats.org/drawingml/2006/main" xmlns:r="http://schemas.openxmlformats.org/officeDocument/2006/relationships" xmlns:p="http://schemas.openxmlformats.org/presentationml/2006/main">
+  <p:cSld>
+    <p:spTree>
+      <p:nvGrpSpPr>
+        <p:cNvPr id="1" name=""/>
+        <p:cNvGrpSpPr/>
+        <p:nvPr/>
+      </p:nvGrpSpPr>
+      <p:grpSpPr>
+        <a:xfrm>
+          <a:off x="0" y="0"/>
+          <a:ext cx="0" cy="0"/>
+          <a:chOff x="0" y="0"/>
+          <a:chExt cx="0" cy="0"/>
+        </a:xfrm>
+      </p:grpSpPr>
+      <p:sp>
+        <p:nvSpPr>
+          <p:cNvPr id="2" name="Title 1">
+            <a:extLst>
+              <a:ext uri="{FF2B5EF4-FFF2-40B4-BE49-F238E27FC236}">
+                <a16:creationId xmlns:a16="http://schemas.microsoft.com/office/drawing/2014/main" id="{AC322469-99AD-454B-AD02-29EF8BBAE857}"/>
+              </a:ext>
+            </a:extLst>
+          </p:cNvPr>
+          <p:cNvSpPr>
+            <a:spLocks noGrp="1"/>
+          </p:cNvSpPr>
+          <p:nvPr>
+            <p:ph type="title"/>
+          </p:nvPr>
+        </p:nvSpPr>
+        <p:spPr/>
+        <p:txBody>
+          <a:bodyPr/>
+          <a:lstStyle/>
+          <a:p>
+            <a:r>
+              <a:rPr lang="en-US" dirty="0"/>
+              <a:t>Required Research</a:t>
+            </a:r>
+          </a:p>
+        </p:txBody>
+      </p:sp>
+      <p:sp>
+        <p:nvSpPr>
+          <p:cNvPr id="3" name="Date Placeholder 2">
+            <a:extLst>
+              <a:ext uri="{FF2B5EF4-FFF2-40B4-BE49-F238E27FC236}">
+                <a16:creationId xmlns:a16="http://schemas.microsoft.com/office/drawing/2014/main" id="{A2CED778-49BF-46CD-A881-EE2399D2B95D}"/>
+              </a:ext>
+            </a:extLst>
+          </p:cNvPr>
+          <p:cNvSpPr>
+            <a:spLocks noGrp="1"/>
+          </p:cNvSpPr>
+          <p:nvPr>
+            <p:ph type="dt" sz="half" idx="10"/>
+          </p:nvPr>
+        </p:nvSpPr>
+        <p:spPr/>
+        <p:txBody>
+          <a:bodyPr/>
+          <a:lstStyle/>
+          <a:p>
+            <a:fld id="{4B008DF5-449C-4CDB-99E5-200AB76F51BF}" type="datetime1">
+              <a:rPr lang="de-DE" smtClean="0"/>
+              <a:pPr/>
+              <a:t>12.10.2021</a:t>
+            </a:fld>
+            <a:endParaRPr lang="de-DE"/>
+          </a:p>
+        </p:txBody>
+      </p:sp>
+      <p:sp>
+        <p:nvSpPr>
+          <p:cNvPr id="4" name="Slide Number Placeholder 3">
+            <a:extLst>
+              <a:ext uri="{FF2B5EF4-FFF2-40B4-BE49-F238E27FC236}">
+                <a16:creationId xmlns:a16="http://schemas.microsoft.com/office/drawing/2014/main" id="{131FF8E0-3C90-45D5-A87D-8133DC8C2D23}"/>
+              </a:ext>
+            </a:extLst>
+          </p:cNvPr>
+          <p:cNvSpPr>
+            <a:spLocks noGrp="1"/>
+          </p:cNvSpPr>
+          <p:nvPr>
+            <p:ph type="sldNum" sz="quarter" idx="12"/>
+          </p:nvPr>
+        </p:nvSpPr>
+        <p:spPr/>
+        <p:txBody>
+          <a:bodyPr/>
+          <a:lstStyle/>
+          <a:p>
+            <a:fld id="{50E76E58-F275-47A3-BB17-470016A267B6}" type="slidenum">
+              <a:rPr lang="de-DE" smtClean="0"/>
+              <a:pPr/>
+              <a:t>6</a:t>
+            </a:fld>
+            <a:endParaRPr lang="de-DE"/>
+          </a:p>
+        </p:txBody>
+      </p:sp>
+      <p:sp>
+        <p:nvSpPr>
+          <p:cNvPr id="5" name="Text Placeholder 4">
+            <a:extLst>
+              <a:ext uri="{FF2B5EF4-FFF2-40B4-BE49-F238E27FC236}">
+                <a16:creationId xmlns:a16="http://schemas.microsoft.com/office/drawing/2014/main" id="{A068EC98-16FB-4B90-BFFF-B9DAF68625F3}"/>
+              </a:ext>
+            </a:extLst>
+          </p:cNvPr>
+          <p:cNvSpPr>
+            <a:spLocks noGrp="1"/>
+          </p:cNvSpPr>
+          <p:nvPr>
+            <p:ph type="body" sz="quarter" idx="13"/>
+          </p:nvPr>
+        </p:nvSpPr>
+        <p:spPr/>
+        <p:txBody>
+          <a:bodyPr/>
+          <a:lstStyle/>
+          <a:p>
+            <a:r>
+              <a:rPr lang="en-US" sz="2000" dirty="0"/>
+              <a:t>Vulnerability Analysis:</a:t>
+            </a:r>
+          </a:p>
+          <a:p>
+            <a:pPr lvl="1"/>
+            <a:r>
+              <a:rPr lang="en-US" sz="1800" dirty="0"/>
+              <a:t>Vulnerability Attacks: </a:t>
+            </a:r>
+          </a:p>
+          <a:p>
+            <a:pPr lvl="2"/>
+            <a:r>
+              <a:rPr lang="en-US" sz="1800" dirty="0"/>
+              <a:t>Configuration, security patches, zero-day, faulty OSS package.</a:t>
+            </a:r>
+          </a:p>
+          <a:p>
+            <a:pPr lvl="1"/>
+            <a:r>
+              <a:rPr lang="en-US" sz="1800" dirty="0"/>
+              <a:t>Vulnerability Analysis types:</a:t>
+            </a:r>
+          </a:p>
+          <a:p>
+            <a:pPr lvl="2"/>
+            <a:r>
+              <a:rPr lang="en-US" sz="1800" dirty="0"/>
+              <a:t>Network, Host, Database, Application.</a:t>
+            </a:r>
+          </a:p>
+          <a:p>
+            <a:pPr lvl="1"/>
+            <a:r>
+              <a:rPr lang="en-US" sz="1800" dirty="0"/>
+              <a:t>Vulnerability Database:</a:t>
+            </a:r>
+          </a:p>
+          <a:p>
+            <a:pPr lvl="2"/>
+            <a:r>
+              <a:rPr lang="en-US" sz="1800" dirty="0"/>
+              <a:t>NVD, </a:t>
+            </a:r>
+            <a:r>
+              <a:rPr lang="en-US" sz="1800" dirty="0" err="1"/>
+              <a:t>SecurityFocus</a:t>
+            </a:r>
+            <a:r>
+              <a:rPr lang="en-US" sz="1800" dirty="0"/>
+              <a:t>, IBM-X force, CERT/CC</a:t>
+            </a:r>
+          </a:p>
+          <a:p>
+            <a:r>
+              <a:rPr lang="en-US" sz="2000" dirty="0"/>
+              <a:t>Data Scraping:</a:t>
+            </a:r>
+          </a:p>
+          <a:p>
+            <a:pPr lvl="1"/>
+            <a:r>
+              <a:rPr lang="en-US" sz="1800" dirty="0"/>
+              <a:t>Types:</a:t>
+            </a:r>
+          </a:p>
+          <a:p>
+            <a:pPr lvl="2"/>
+            <a:r>
+              <a:rPr lang="en-US" sz="1800" dirty="0"/>
+              <a:t>Web scraping, Screen Scraping</a:t>
+            </a:r>
+          </a:p>
+          <a:p>
+            <a:pPr lvl="1"/>
+            <a:r>
+              <a:rPr lang="en-US" sz="1800" dirty="0"/>
+              <a:t>Challenges.</a:t>
+            </a:r>
+          </a:p>
+          <a:p>
+            <a:pPr lvl="1"/>
+            <a:r>
+              <a:rPr lang="en-US" sz="1800" dirty="0"/>
+              <a:t>Methods:</a:t>
+            </a:r>
+          </a:p>
+          <a:p>
+            <a:pPr lvl="2"/>
+            <a:r>
+              <a:rPr lang="en-US" sz="1800" dirty="0"/>
+              <a:t>Manual Scraping – copy/paste.</a:t>
+            </a:r>
+          </a:p>
+          <a:p>
+            <a:pPr lvl="2"/>
+            <a:r>
+              <a:rPr lang="en-US" sz="1800" dirty="0"/>
+              <a:t>Automated Scraping – HTML parsing, DOM parsing, </a:t>
+            </a:r>
+            <a:r>
+              <a:rPr lang="en-US" sz="1800" dirty="0" err="1"/>
+              <a:t>Xpath</a:t>
+            </a:r>
+            <a:r>
+              <a:rPr lang="en-US" sz="1800" dirty="0"/>
+              <a:t>, Text pattern matching</a:t>
+            </a:r>
+          </a:p>
+        </p:txBody>
+      </p:sp>
+    </p:spTree>
+    <p:extLst>
+      <p:ext uri="{BB962C8B-B14F-4D97-AF65-F5344CB8AC3E}">
+        <p14:creationId xmlns:p14="http://schemas.microsoft.com/office/powerpoint/2010/main" val="4109221169"/>
+      </p:ext>
+    </p:extLst>
+  </p:cSld>
+  <p:clrMapOvr>
+    <a:masterClrMapping/>
+  </p:clrMapOvr>
+</p:sld>
+</file>
+
+<file path=ppt/slides/slide7.xml><?xml version="1.0" encoding="utf-8"?>
+<p:sld xmlns:a="http://schemas.openxmlformats.org/drawingml/2006/main" xmlns:r="http://schemas.openxmlformats.org/officeDocument/2006/relationships" xmlns:p="http://schemas.openxmlformats.org/presentationml/2006/main">
+  <p:cSld>
+    <p:spTree>
+      <p:nvGrpSpPr>
+        <p:cNvPr id="1" name=""/>
+        <p:cNvGrpSpPr/>
+        <p:nvPr/>
+      </p:nvGrpSpPr>
+      <p:grpSpPr>
+        <a:xfrm>
+          <a:off x="0" y="0"/>
+          <a:ext cx="0" cy="0"/>
+          <a:chOff x="0" y="0"/>
+          <a:chExt cx="0" cy="0"/>
+        </a:xfrm>
+      </p:grpSpPr>
+      <p:sp>
+        <p:nvSpPr>
+          <p:cNvPr id="2" name="Title 1">
+            <a:extLst>
+              <a:ext uri="{FF2B5EF4-FFF2-40B4-BE49-F238E27FC236}">
+                <a16:creationId xmlns:a16="http://schemas.microsoft.com/office/drawing/2014/main" id="{D8C10EE3-E54B-474B-A2B2-1773896CDA9D}"/>
+              </a:ext>
+            </a:extLst>
+          </p:cNvPr>
+          <p:cNvSpPr>
+            <a:spLocks noGrp="1"/>
+          </p:cNvSpPr>
+          <p:nvPr>
+            <p:ph type="title"/>
+          </p:nvPr>
+        </p:nvSpPr>
+        <p:spPr/>
+        <p:txBody>
+          <a:bodyPr/>
+          <a:lstStyle/>
+          <a:p>
+            <a:r>
+              <a:rPr lang="en-US" dirty="0"/>
+              <a:t>Contd..</a:t>
+            </a:r>
+          </a:p>
+        </p:txBody>
+      </p:sp>
+      <p:sp>
+        <p:nvSpPr>
+          <p:cNvPr id="3" name="Date Placeholder 2">
+            <a:extLst>
+              <a:ext uri="{FF2B5EF4-FFF2-40B4-BE49-F238E27FC236}">
+                <a16:creationId xmlns:a16="http://schemas.microsoft.com/office/drawing/2014/main" id="{31607022-A6CC-4DB4-8A11-EA8D231173EA}"/>
+              </a:ext>
+            </a:extLst>
+          </p:cNvPr>
+          <p:cNvSpPr>
+            <a:spLocks noGrp="1"/>
+          </p:cNvSpPr>
+          <p:nvPr>
+            <p:ph type="dt" sz="half" idx="10"/>
+          </p:nvPr>
+        </p:nvSpPr>
+        <p:spPr/>
+        <p:txBody>
+          <a:bodyPr/>
+          <a:lstStyle/>
+          <a:p>
+            <a:fld id="{4B008DF5-449C-4CDB-99E5-200AB76F51BF}" type="datetime1">
+              <a:rPr lang="de-DE" smtClean="0"/>
+              <a:pPr/>
+              <a:t>12.10.2021</a:t>
+            </a:fld>
+            <a:endParaRPr lang="de-DE"/>
+          </a:p>
+        </p:txBody>
+      </p:sp>
+      <p:sp>
+        <p:nvSpPr>
+          <p:cNvPr id="4" name="Slide Number Placeholder 3">
+            <a:extLst>
+              <a:ext uri="{FF2B5EF4-FFF2-40B4-BE49-F238E27FC236}">
+                <a16:creationId xmlns:a16="http://schemas.microsoft.com/office/drawing/2014/main" id="{9A3FB1E4-36E4-49C0-B5D1-C0680FB31527}"/>
+              </a:ext>
+            </a:extLst>
+          </p:cNvPr>
+          <p:cNvSpPr>
+            <a:spLocks noGrp="1"/>
+          </p:cNvSpPr>
+          <p:nvPr>
+            <p:ph type="sldNum" sz="quarter" idx="12"/>
+          </p:nvPr>
+        </p:nvSpPr>
+        <p:spPr/>
+        <p:txBody>
+          <a:bodyPr/>
+          <a:lstStyle/>
+          <a:p>
+            <a:fld id="{50E76E58-F275-47A3-BB17-470016A267B6}" type="slidenum">
+              <a:rPr lang="de-DE" smtClean="0"/>
+              <a:pPr/>
+              <a:t>7</a:t>
+            </a:fld>
+            <a:endParaRPr lang="de-DE"/>
+          </a:p>
+        </p:txBody>
+      </p:sp>
+      <p:sp>
+        <p:nvSpPr>
+          <p:cNvPr id="5" name="Text Placeholder 4">
+            <a:extLst>
+              <a:ext uri="{FF2B5EF4-FFF2-40B4-BE49-F238E27FC236}">
+                <a16:creationId xmlns:a16="http://schemas.microsoft.com/office/drawing/2014/main" id="{EEAE9EDD-9EB3-4AA3-8E22-0A9219C6C504}"/>
+              </a:ext>
+            </a:extLst>
+          </p:cNvPr>
+          <p:cNvSpPr>
+            <a:spLocks noGrp="1"/>
+          </p:cNvSpPr>
+          <p:nvPr>
+            <p:ph type="body" sz="quarter" idx="13"/>
+          </p:nvPr>
+        </p:nvSpPr>
+        <p:spPr/>
+        <p:txBody>
+          <a:bodyPr/>
+          <a:lstStyle/>
+          <a:p>
+            <a:r>
+              <a:rPr lang="en-US" dirty="0"/>
+              <a:t>String distance Metrics:</a:t>
+            </a:r>
+          </a:p>
+          <a:p>
+            <a:pPr lvl="1"/>
+            <a:r>
+              <a:rPr lang="en-US" dirty="0"/>
+              <a:t>Hamming Distance.</a:t>
+            </a:r>
+          </a:p>
+          <a:p>
+            <a:pPr lvl="1"/>
+            <a:r>
+              <a:rPr lang="en-US" dirty="0" err="1"/>
+              <a:t>Levenshtein</a:t>
+            </a:r>
+            <a:r>
+              <a:rPr lang="en-US" dirty="0"/>
+              <a:t> distance.</a:t>
+            </a:r>
+          </a:p>
+          <a:p>
+            <a:pPr lvl="1"/>
+            <a:r>
+              <a:rPr lang="en-US" dirty="0" err="1"/>
+              <a:t>Damerau-Levenshtein</a:t>
+            </a:r>
+            <a:r>
+              <a:rPr lang="en-US" dirty="0"/>
+              <a:t> distance.</a:t>
+            </a:r>
+          </a:p>
+          <a:p>
+            <a:pPr lvl="1"/>
+            <a:r>
+              <a:rPr lang="en-US" dirty="0" err="1"/>
+              <a:t>Jaro</a:t>
+            </a:r>
+            <a:r>
+              <a:rPr lang="en-US" dirty="0"/>
+              <a:t> Distance.</a:t>
+            </a:r>
+          </a:p>
+          <a:p>
+            <a:pPr lvl="1"/>
+            <a:endParaRPr lang="en-US" dirty="0"/>
+          </a:p>
+        </p:txBody>
+      </p:sp>
+    </p:spTree>
+    <p:extLst>
+      <p:ext uri="{BB962C8B-B14F-4D97-AF65-F5344CB8AC3E}">
+        <p14:creationId xmlns:p14="http://schemas.microsoft.com/office/powerpoint/2010/main" val="877780429"/>
+      </p:ext>
+    </p:extLst>
+  </p:cSld>
+  <p:clrMapOvr>
+    <a:masterClrMapping/>
+  </p:clrMapOvr>
+</p:sld>
+</file>
+
+<file path=ppt/slides/slide8.xml><?xml version="1.0" encoding="utf-8"?>
+<p:sld xmlns:a="http://schemas.openxmlformats.org/drawingml/2006/main" xmlns:r="http://schemas.openxmlformats.org/officeDocument/2006/relationships" xmlns:p="http://schemas.openxmlformats.org/presentationml/2006/main">
+  <p:cSld>
+    <p:spTree>
+      <p:nvGrpSpPr>
+        <p:cNvPr id="1" name=""/>
+        <p:cNvGrpSpPr/>
+        <p:nvPr/>
+      </p:nvGrpSpPr>
+      <p:grpSpPr>
+        <a:xfrm>
+          <a:off x="0" y="0"/>
+          <a:ext cx="0" cy="0"/>
+          <a:chOff x="0" y="0"/>
+          <a:chExt cx="0" cy="0"/>
+        </a:xfrm>
+      </p:grpSpPr>
+      <p:sp>
+        <p:nvSpPr>
+          <p:cNvPr id="2" name="Title 1">
+            <a:extLst>
+              <a:ext uri="{FF2B5EF4-FFF2-40B4-BE49-F238E27FC236}">
+                <a16:creationId xmlns:a16="http://schemas.microsoft.com/office/drawing/2014/main" id="{04B01A08-1CE9-4EB8-88B3-DE32BB4CCB9B}"/>
+              </a:ext>
+            </a:extLst>
+          </p:cNvPr>
+          <p:cNvSpPr>
+            <a:spLocks noGrp="1"/>
+          </p:cNvSpPr>
+          <p:nvPr>
+            <p:ph type="title"/>
+          </p:nvPr>
+        </p:nvSpPr>
+        <p:spPr/>
+        <p:txBody>
+          <a:bodyPr/>
+          <a:lstStyle/>
+          <a:p>
+            <a:r>
+              <a:rPr lang="en-US" dirty="0"/>
+              <a:t>Architecture</a:t>
+            </a:r>
+          </a:p>
+        </p:txBody>
+      </p:sp>
+      <p:sp>
+        <p:nvSpPr>
+          <p:cNvPr id="3" name="Date Placeholder 2">
+            <a:extLst>
+              <a:ext uri="{FF2B5EF4-FFF2-40B4-BE49-F238E27FC236}">
+                <a16:creationId xmlns:a16="http://schemas.microsoft.com/office/drawing/2014/main" id="{0DF4342A-B4CB-4254-8BCB-A2A91B843BFA}"/>
+              </a:ext>
+            </a:extLst>
+          </p:cNvPr>
+          <p:cNvSpPr>
+            <a:spLocks noGrp="1"/>
+          </p:cNvSpPr>
+          <p:nvPr>
+            <p:ph type="dt" sz="half" idx="10"/>
+          </p:nvPr>
+        </p:nvSpPr>
+        <p:spPr/>
+        <p:txBody>
+          <a:bodyPr/>
+          <a:lstStyle/>
+          <a:p>
+            <a:fld id="{4B008DF5-449C-4CDB-99E5-200AB76F51BF}" type="datetime1">
+              <a:rPr lang="de-DE" smtClean="0"/>
+              <a:pPr/>
+              <a:t>12.10.2021</a:t>
+            </a:fld>
+            <a:endParaRPr lang="de-DE"/>
+          </a:p>
+        </p:txBody>
+      </p:sp>
+      <p:sp>
+        <p:nvSpPr>
+          <p:cNvPr id="4" name="Slide Number Placeholder 3">
+            <a:extLst>
+              <a:ext uri="{FF2B5EF4-FFF2-40B4-BE49-F238E27FC236}">
+                <a16:creationId xmlns:a16="http://schemas.microsoft.com/office/drawing/2014/main" id="{DFC27E4B-1CD1-4BB6-87B2-50BDEE5A8C6C}"/>
+              </a:ext>
+            </a:extLst>
+          </p:cNvPr>
+          <p:cNvSpPr>
+            <a:spLocks noGrp="1"/>
+          </p:cNvSpPr>
+          <p:nvPr>
+            <p:ph type="sldNum" sz="quarter" idx="12"/>
+          </p:nvPr>
+        </p:nvSpPr>
+        <p:spPr/>
+        <p:txBody>
+          <a:bodyPr/>
+          <a:lstStyle/>
+          <a:p>
+            <a:fld id="{50E76E58-F275-47A3-BB17-470016A267B6}" type="slidenum">
+              <a:rPr lang="de-DE" smtClean="0"/>
+              <a:pPr/>
+              <a:t>8</a:t>
+            </a:fld>
+            <a:endParaRPr lang="de-DE"/>
+          </a:p>
+        </p:txBody>
+      </p:sp>
+      <p:sp>
+        <p:nvSpPr>
+          <p:cNvPr id="5" name="Text Placeholder 4">
+            <a:extLst>
+              <a:ext uri="{FF2B5EF4-FFF2-40B4-BE49-F238E27FC236}">
+                <a16:creationId xmlns:a16="http://schemas.microsoft.com/office/drawing/2014/main" id="{04DEDDCD-0713-4B07-9D30-3F3CF3AF0A42}"/>
+              </a:ext>
+            </a:extLst>
+          </p:cNvPr>
+          <p:cNvSpPr>
+            <a:spLocks noGrp="1"/>
+          </p:cNvSpPr>
+          <p:nvPr>
+            <p:ph type="body" sz="quarter" idx="13"/>
+          </p:nvPr>
+        </p:nvSpPr>
+        <p:spPr/>
+        <p:txBody>
+          <a:bodyPr/>
+          <a:lstStyle/>
+          <a:p>
+            <a:pPr marL="0" indent="0">
+              <a:buNone/>
+            </a:pPr>
+            <a:endParaRPr lang="en-US" dirty="0"/>
+          </a:p>
+        </p:txBody>
+      </p:sp>
+      <p:pic>
+        <p:nvPicPr>
+          <p:cNvPr id="7" name="Picture 6">
+            <a:extLst>
+              <a:ext uri="{FF2B5EF4-FFF2-40B4-BE49-F238E27FC236}">
+                <a16:creationId xmlns:a16="http://schemas.microsoft.com/office/drawing/2014/main" id="{C6D74920-D0A2-4D8E-8D2B-3DB771F273F2}"/>
+              </a:ext>
+            </a:extLst>
+          </p:cNvPr>
+          <p:cNvPicPr>
+            <a:picLocks noChangeAspect="1"/>
+          </p:cNvPicPr>
+          <p:nvPr/>
+        </p:nvPicPr>
+        <p:blipFill>
+          <a:blip r:embed="rId2">
+            <a:extLst>
+              <a:ext uri="{28A0092B-C50C-407E-A947-70E740481C1C}">
+                <a14:useLocalDpi xmlns:a14="http://schemas.microsoft.com/office/drawing/2010/main" val="0"/>
+              </a:ext>
+            </a:extLst>
+          </a:blip>
+          <a:stretch>
+            <a:fillRect/>
+          </a:stretch>
+        </p:blipFill>
+        <p:spPr>
+          <a:xfrm>
+            <a:off x="1882912" y="1375834"/>
+            <a:ext cx="4791075" cy="3829050"/>
+          </a:xfrm>
+          <a:prstGeom prst="rect">
+            <a:avLst/>
+          </a:prstGeom>
+        </p:spPr>
+      </p:pic>
+    </p:spTree>
+    <p:extLst>
+      <p:ext uri="{BB962C8B-B14F-4D97-AF65-F5344CB8AC3E}">
+        <p14:creationId xmlns:p14="http://schemas.microsoft.com/office/powerpoint/2010/main" val="1175828351"/>
+      </p:ext>
+    </p:extLst>
+  </p:cSld>
+  <p:clrMapOvr>
+    <a:masterClrMapping/>
+  </p:clrMapOvr>
+</p:sld>
+</file>
+
+<file path=ppt/slides/slide9.xml><?xml version="1.0" encoding="utf-8"?>
+<p:sld xmlns:a="http://schemas.openxmlformats.org/drawingml/2006/main" xmlns:r="http://schemas.openxmlformats.org/officeDocument/2006/relationships" xmlns:p="http://schemas.openxmlformats.org/presentationml/2006/main">
+  <p:cSld>
+    <p:spTree>
+      <p:nvGrpSpPr>
+        <p:cNvPr id="1" name=""/>
+        <p:cNvGrpSpPr/>
+        <p:nvPr/>
+      </p:nvGrpSpPr>
+      <p:grpSpPr>
+        <a:xfrm>
+          <a:off x="0" y="0"/>
+          <a:ext cx="0" cy="0"/>
+          <a:chOff x="0" y="0"/>
+          <a:chExt cx="0" cy="0"/>
+        </a:xfrm>
+      </p:grpSpPr>
+      <p:sp>
+        <p:nvSpPr>
+          <p:cNvPr id="2" name="Title 1">
+            <a:extLst>
+              <a:ext uri="{FF2B5EF4-FFF2-40B4-BE49-F238E27FC236}">
+                <a16:creationId xmlns:a16="http://schemas.microsoft.com/office/drawing/2014/main" id="{D091C265-269B-4170-8242-3248AAC7FA2F}"/>
+              </a:ext>
+            </a:extLst>
+          </p:cNvPr>
+          <p:cNvSpPr>
+            <a:spLocks noGrp="1"/>
+          </p:cNvSpPr>
+          <p:nvPr>
+            <p:ph type="title"/>
+          </p:nvPr>
+        </p:nvSpPr>
+        <p:spPr/>
+        <p:txBody>
+          <a:bodyPr/>
+          <a:lstStyle/>
+          <a:p>
+            <a:r>
+              <a:rPr lang="en-US" dirty="0"/>
+              <a:t>Implementation</a:t>
+            </a:r>
+          </a:p>
+        </p:txBody>
+      </p:sp>
+      <p:sp>
+        <p:nvSpPr>
+          <p:cNvPr id="3" name="Date Placeholder 2">
+            <a:extLst>
+              <a:ext uri="{FF2B5EF4-FFF2-40B4-BE49-F238E27FC236}">
+                <a16:creationId xmlns:a16="http://schemas.microsoft.com/office/drawing/2014/main" id="{DBD1FFAB-73DF-498A-BE5B-ABA4B4328962}"/>
+              </a:ext>
+            </a:extLst>
+          </p:cNvPr>
+          <p:cNvSpPr>
+            <a:spLocks noGrp="1"/>
+          </p:cNvSpPr>
+          <p:nvPr>
+            <p:ph type="dt" sz="half" idx="10"/>
+          </p:nvPr>
+        </p:nvSpPr>
+        <p:spPr/>
+        <p:txBody>
+          <a:bodyPr/>
+          <a:lstStyle/>
+          <a:p>
+            <a:fld id="{4B008DF5-449C-4CDB-99E5-200AB76F51BF}" type="datetime1">
+              <a:rPr lang="de-DE" smtClean="0"/>
+              <a:pPr/>
+              <a:t>12.10.2021</a:t>
+            </a:fld>
+            <a:endParaRPr lang="de-DE"/>
+          </a:p>
+        </p:txBody>
+      </p:sp>
+      <p:sp>
+        <p:nvSpPr>
+          <p:cNvPr id="4" name="Slide Number Placeholder 3">
+            <a:extLst>
+              <a:ext uri="{FF2B5EF4-FFF2-40B4-BE49-F238E27FC236}">
+                <a16:creationId xmlns:a16="http://schemas.microsoft.com/office/drawing/2014/main" id="{0F4D146F-BEC9-432F-8B32-2FD645A7F473}"/>
+              </a:ext>
+            </a:extLst>
+          </p:cNvPr>
+          <p:cNvSpPr>
+            <a:spLocks noGrp="1"/>
+          </p:cNvSpPr>
+          <p:nvPr>
+            <p:ph type="sldNum" sz="quarter" idx="12"/>
+          </p:nvPr>
+        </p:nvSpPr>
+        <p:spPr/>
+        <p:txBody>
+          <a:bodyPr/>
+          <a:lstStyle/>
+          <a:p>
+            <a:fld id="{50E76E58-F275-47A3-BB17-470016A267B6}" type="slidenum">
+              <a:rPr lang="de-DE" smtClean="0"/>
+              <a:pPr/>
+              <a:t>9</a:t>
+            </a:fld>
+            <a:endParaRPr lang="de-DE"/>
+          </a:p>
+        </p:txBody>
+      </p:sp>
+      <p:sp>
+        <p:nvSpPr>
+          <p:cNvPr id="5" name="Text Placeholder 4">
+            <a:extLst>
+              <a:ext uri="{FF2B5EF4-FFF2-40B4-BE49-F238E27FC236}">
+                <a16:creationId xmlns:a16="http://schemas.microsoft.com/office/drawing/2014/main" id="{8C0F06CB-AABB-40CE-9323-FF93AC5EE5F6}"/>
+              </a:ext>
+            </a:extLst>
+          </p:cNvPr>
+          <p:cNvSpPr>
+            <a:spLocks noGrp="1"/>
+          </p:cNvSpPr>
+          <p:nvPr>
+            <p:ph type="body" sz="quarter" idx="13"/>
+          </p:nvPr>
+        </p:nvSpPr>
+        <p:spPr/>
+        <p:txBody>
+          <a:bodyPr/>
+          <a:lstStyle/>
+          <a:p>
+            <a:r>
+              <a:rPr lang="en-US" dirty="0"/>
+              <a:t>OSS Component Analyzer:</a:t>
+            </a:r>
+          </a:p>
+          <a:p>
+            <a:pPr lvl="1"/>
+            <a:r>
+              <a:rPr lang="en-US" dirty="0"/>
+              <a:t>Frontend Application.</a:t>
+            </a:r>
+          </a:p>
+          <a:p>
+            <a:pPr lvl="1"/>
+            <a:r>
+              <a:rPr lang="en-US" dirty="0"/>
+              <a:t>Scans for OSS components/libraries.</a:t>
+            </a:r>
+          </a:p>
+          <a:p>
+            <a:pPr lvl="1"/>
+            <a:r>
+              <a:rPr lang="en-US" dirty="0"/>
+              <a:t>Scraps OSS components based on dependency manager.</a:t>
+            </a:r>
+          </a:p>
+          <a:p>
+            <a:pPr lvl="1"/>
+            <a:r>
+              <a:rPr lang="en-US" dirty="0"/>
+              <a:t>Extracts only component name and version.</a:t>
+            </a:r>
+          </a:p>
+          <a:p>
+            <a:pPr lvl="1"/>
+            <a:endParaRPr lang="en-US" dirty="0"/>
+          </a:p>
+        </p:txBody>
+      </p:sp>
+    </p:spTree>
+    <p:extLst>
+      <p:ext uri="{BB962C8B-B14F-4D97-AF65-F5344CB8AC3E}">
+        <p14:creationId xmlns:p14="http://schemas.microsoft.com/office/powerpoint/2010/main" val="3081070439"/>
       </p:ext>
     </p:extLst>
   </p:cSld>

--- a/Open-Source Software Discovery and Vulnerability Analysis.pptx
+++ b/Open-Source Software Discovery and Vulnerability Analysis.pptx
@@ -5,25 +5,29 @@
     <p:sldMasterId id="2147483678" r:id="rId1"/>
   </p:sldMasterIdLst>
   <p:notesMasterIdLst>
-    <p:notesMasterId r:id="rId15"/>
+    <p:notesMasterId r:id="rId19"/>
   </p:notesMasterIdLst>
   <p:handoutMasterIdLst>
-    <p:handoutMasterId r:id="rId16"/>
+    <p:handoutMasterId r:id="rId20"/>
   </p:handoutMasterIdLst>
   <p:sldIdLst>
     <p:sldId id="256" r:id="rId2"/>
     <p:sldId id="257" r:id="rId3"/>
     <p:sldId id="258" r:id="rId4"/>
     <p:sldId id="259" r:id="rId5"/>
-    <p:sldId id="267" r:id="rId6"/>
-    <p:sldId id="265" r:id="rId7"/>
-    <p:sldId id="266" r:id="rId8"/>
-    <p:sldId id="260" r:id="rId9"/>
+    <p:sldId id="265" r:id="rId6"/>
+    <p:sldId id="266" r:id="rId7"/>
+    <p:sldId id="260" r:id="rId8"/>
+    <p:sldId id="262" r:id="rId9"/>
     <p:sldId id="261" r:id="rId10"/>
     <p:sldId id="268" r:id="rId11"/>
-    <p:sldId id="262" r:id="rId12"/>
+    <p:sldId id="273" r:id="rId12"/>
     <p:sldId id="263" r:id="rId13"/>
-    <p:sldId id="264" r:id="rId14"/>
+    <p:sldId id="269" r:id="rId14"/>
+    <p:sldId id="270" r:id="rId15"/>
+    <p:sldId id="271" r:id="rId16"/>
+    <p:sldId id="264" r:id="rId17"/>
+    <p:sldId id="272" r:id="rId18"/>
   </p:sldIdLst>
   <p:sldSz cx="9144000" cy="6858000" type="screen4x3"/>
   <p:notesSz cx="7099300" cy="10234613"/>
@@ -284,7 +288,7 @@
             <a:fld id="{5BB45A7C-CD8D-4615-9E21-7904701129AE}" type="datetimeFigureOut">
               <a:rPr lang="de-DE"/>
               <a:pPr/>
-              <a:t>12.10.2021</a:t>
+              <a:t>16.10.2021</a:t>
             </a:fld>
             <a:endParaRPr lang="de-DE"/>
           </a:p>
@@ -1268,7 +1272,7 @@
             <a:fld id="{7339B080-6172-4DC7-9FC0-D18295017917}" type="datetime1">
               <a:rPr lang="de-DE"/>
               <a:pPr/>
-              <a:t>12.10.2021</a:t>
+              <a:t>16.10.2021</a:t>
             </a:fld>
             <a:endParaRPr lang="de-DE"/>
           </a:p>
@@ -1571,7 +1575,7 @@
             <a:fld id="{4B008DF5-449C-4CDB-99E5-200AB76F51BF}" type="datetime1">
               <a:rPr lang="de-DE" smtClean="0"/>
               <a:pPr/>
-              <a:t>12.10.2021</a:t>
+              <a:t>16.10.2021</a:t>
             </a:fld>
             <a:endParaRPr lang="de-DE"/>
           </a:p>
@@ -1982,7 +1986,7 @@
             <a:fld id="{4B008DF5-449C-4CDB-99E5-200AB76F51BF}" type="datetime1">
               <a:rPr lang="de-DE"/>
               <a:pPr/>
-              <a:t>12.10.2021</a:t>
+              <a:t>16.10.2021</a:t>
             </a:fld>
             <a:endParaRPr lang="de-DE" dirty="0"/>
           </a:p>
@@ -2497,7 +2501,7 @@
             <a:fld id="{FF8ABF28-FF76-4557-B3E8-A52709328A63}" type="datetime1">
               <a:rPr lang="de-DE"/>
               <a:pPr/>
-              <a:t>12.10.2021</a:t>
+              <a:t>16.10.2021</a:t>
             </a:fld>
             <a:endParaRPr lang="de-DE" dirty="0"/>
           </a:p>
@@ -2583,7 +2587,7 @@
           <p:cNvPr id="2" name="Title 1">
             <a:extLst>
               <a:ext uri="{FF2B5EF4-FFF2-40B4-BE49-F238E27FC236}">
-                <a16:creationId xmlns:a16="http://schemas.microsoft.com/office/drawing/2014/main" id="{955A4FF1-B985-41EB-894C-4964FAE13196}"/>
+                <a16:creationId xmlns:a16="http://schemas.microsoft.com/office/drawing/2014/main" id="{2A40D2AA-DF35-4847-91EA-256F8EA4BFC5}"/>
               </a:ext>
             </a:extLst>
           </p:cNvPr>
@@ -2611,7 +2615,7 @@
           <p:cNvPr id="3" name="Date Placeholder 2">
             <a:extLst>
               <a:ext uri="{FF2B5EF4-FFF2-40B4-BE49-F238E27FC236}">
-                <a16:creationId xmlns:a16="http://schemas.microsoft.com/office/drawing/2014/main" id="{6167330D-D149-46C6-B779-45B072BF4B66}"/>
+                <a16:creationId xmlns:a16="http://schemas.microsoft.com/office/drawing/2014/main" id="{E01FD5FC-B2C4-4579-9078-445DF16B3FCD}"/>
               </a:ext>
             </a:extLst>
           </p:cNvPr>
@@ -2630,7 +2634,7 @@
             <a:fld id="{4B008DF5-449C-4CDB-99E5-200AB76F51BF}" type="datetime1">
               <a:rPr lang="de-DE" smtClean="0"/>
               <a:pPr/>
-              <a:t>12.10.2021</a:t>
+              <a:t>16.10.2021</a:t>
             </a:fld>
             <a:endParaRPr lang="de-DE"/>
           </a:p>
@@ -2641,7 +2645,7 @@
           <p:cNvPr id="4" name="Slide Number Placeholder 3">
             <a:extLst>
               <a:ext uri="{FF2B5EF4-FFF2-40B4-BE49-F238E27FC236}">
-                <a16:creationId xmlns:a16="http://schemas.microsoft.com/office/drawing/2014/main" id="{C32F4C0C-2D1B-443E-8A62-DB4CD0C563E0}"/>
+                <a16:creationId xmlns:a16="http://schemas.microsoft.com/office/drawing/2014/main" id="{47577838-3F60-4852-89A5-27D90824D4F9}"/>
               </a:ext>
             </a:extLst>
           </p:cNvPr>
@@ -2671,7 +2675,7 @@
           <p:cNvPr id="5" name="Text Placeholder 4">
             <a:extLst>
               <a:ext uri="{FF2B5EF4-FFF2-40B4-BE49-F238E27FC236}">
-                <a16:creationId xmlns:a16="http://schemas.microsoft.com/office/drawing/2014/main" id="{BE858FFB-5A18-4D9F-B022-9998DCCA3EF7}"/>
+                <a16:creationId xmlns:a16="http://schemas.microsoft.com/office/drawing/2014/main" id="{6284D73A-7EC0-4439-A833-58A8097CBED8}"/>
               </a:ext>
             </a:extLst>
           </p:cNvPr>
@@ -2696,7 +2700,7 @@
             <a:pPr lvl="1"/>
             <a:r>
               <a:rPr lang="en-US" dirty="0"/>
-              <a:t>Written as REST API services.</a:t>
+              <a:t>Backend application - REST API services.</a:t>
             </a:r>
           </a:p>
           <a:p>
@@ -2717,14 +2721,7 @@
             <a:pPr lvl="1"/>
             <a:r>
               <a:rPr lang="en-US" dirty="0"/>
-              <a:t>Second retrieves vulnerability information from CVE dictionary.</a:t>
-            </a:r>
-          </a:p>
-          <a:p>
-            <a:pPr lvl="1"/>
-            <a:r>
-              <a:rPr lang="en-US" dirty="0"/>
-              <a:t>Each CVE record is registered with </a:t>
+              <a:t>CPE results – </a:t>
             </a:r>
             <a:r>
               <a:rPr lang="en-US" dirty="0" err="1"/>
@@ -2732,6 +2729,53 @@
             </a:r>
             <a:r>
               <a:rPr lang="en-US" dirty="0"/>
+              <a:t> string </a:t>
+            </a:r>
+            <a:r>
+              <a:rPr lang="en-US" b="0" i="0" dirty="0">
+                <a:solidFill>
+                  <a:srgbClr val="212121"/>
+                </a:solidFill>
+                <a:effectLst/>
+                <a:latin typeface="Inter"/>
+              </a:rPr>
+              <a:t>cpe:2.3:a:pyjwt_project:pyjwt:0.3.2:*:*:*:*:*:*:*</a:t>
+            </a:r>
+          </a:p>
+          <a:p>
+            <a:pPr lvl="1"/>
+            <a:r>
+              <a:rPr lang="en-US" dirty="0"/>
+              <a:t>Finds similarity between extracted component name and CPE name.</a:t>
+            </a:r>
+          </a:p>
+          <a:p>
+            <a:pPr lvl="1"/>
+            <a:r>
+              <a:rPr lang="en-US" dirty="0"/>
+              <a:t>Retrieves vulnerability information from CVE dictionary by </a:t>
+            </a:r>
+            <a:r>
+              <a:rPr lang="en-US" dirty="0" err="1"/>
+              <a:t>cpeName</a:t>
+            </a:r>
+            <a:r>
+              <a:rPr lang="en-US" dirty="0"/>
+              <a:t>.</a:t>
+            </a:r>
+          </a:p>
+          <a:p>
+            <a:pPr lvl="1"/>
+            <a:r>
+              <a:rPr lang="en-US" dirty="0"/>
+              <a:t>Each CVE record is registered with </a:t>
+            </a:r>
+            <a:r>
+              <a:rPr lang="en-US" dirty="0" err="1"/>
+              <a:t>cpeName</a:t>
+            </a:r>
+            <a:r>
+              <a:rPr lang="en-US" dirty="0"/>
               <a:t> string.</a:t>
             </a:r>
           </a:p>
@@ -2739,19 +2783,22 @@
             <a:pPr lvl="1"/>
             <a:r>
               <a:rPr lang="en-US" dirty="0"/>
+              <a:t>Iteration repeats.</a:t>
+            </a:r>
+          </a:p>
+          <a:p>
+            <a:pPr lvl="1"/>
+            <a:r>
+              <a:rPr lang="en-US" dirty="0"/>
               <a:t>All the relevant information is stored in Azure blob storage.</a:t>
             </a:r>
-          </a:p>
-          <a:p>
-            <a:pPr lvl="1"/>
-            <a:endParaRPr lang="en-US" dirty="0"/>
           </a:p>
         </p:txBody>
       </p:sp>
     </p:spTree>
     <p:extLst>
       <p:ext uri="{BB962C8B-B14F-4D97-AF65-F5344CB8AC3E}">
-        <p14:creationId xmlns:p14="http://schemas.microsoft.com/office/powerpoint/2010/main" val="3700011427"/>
+        <p14:creationId xmlns:p14="http://schemas.microsoft.com/office/powerpoint/2010/main" val="3352861952"/>
       </p:ext>
     </p:extLst>
   </p:cSld>
@@ -2783,7 +2830,7 @@
           <p:cNvPr id="2" name="Title 1">
             <a:extLst>
               <a:ext uri="{FF2B5EF4-FFF2-40B4-BE49-F238E27FC236}">
-                <a16:creationId xmlns:a16="http://schemas.microsoft.com/office/drawing/2014/main" id="{7D9E27EC-5C50-45D1-A5B7-2C8EF6D530C0}"/>
+                <a16:creationId xmlns:a16="http://schemas.microsoft.com/office/drawing/2014/main" id="{7A84C2A8-1970-4EF5-BD1E-19045A297707}"/>
               </a:ext>
             </a:extLst>
           </p:cNvPr>
@@ -2801,7 +2848,7 @@
           <a:p>
             <a:r>
               <a:rPr lang="en-US" dirty="0"/>
-              <a:t>Challenges</a:t>
+              <a:t>Contd..</a:t>
             </a:r>
           </a:p>
         </p:txBody>
@@ -2811,7 +2858,7 @@
           <p:cNvPr id="3" name="Date Placeholder 2">
             <a:extLst>
               <a:ext uri="{FF2B5EF4-FFF2-40B4-BE49-F238E27FC236}">
-                <a16:creationId xmlns:a16="http://schemas.microsoft.com/office/drawing/2014/main" id="{C6205AAC-F0D4-43A3-A25A-00EFAEF2A719}"/>
+                <a16:creationId xmlns:a16="http://schemas.microsoft.com/office/drawing/2014/main" id="{C952C3ED-A01E-4B73-9947-8CAACE81C41E}"/>
               </a:ext>
             </a:extLst>
           </p:cNvPr>
@@ -2830,7 +2877,7 @@
             <a:fld id="{4B008DF5-449C-4CDB-99E5-200AB76F51BF}" type="datetime1">
               <a:rPr lang="de-DE" smtClean="0"/>
               <a:pPr/>
-              <a:t>12.10.2021</a:t>
+              <a:t>16.10.2021</a:t>
             </a:fld>
             <a:endParaRPr lang="de-DE"/>
           </a:p>
@@ -2841,7 +2888,7 @@
           <p:cNvPr id="4" name="Slide Number Placeholder 3">
             <a:extLst>
               <a:ext uri="{FF2B5EF4-FFF2-40B4-BE49-F238E27FC236}">
-                <a16:creationId xmlns:a16="http://schemas.microsoft.com/office/drawing/2014/main" id="{FCA0C266-1ED6-414C-8332-96C616F6566F}"/>
+                <a16:creationId xmlns:a16="http://schemas.microsoft.com/office/drawing/2014/main" id="{9220A987-1B91-4F5F-9756-49973940A04C}"/>
               </a:ext>
             </a:extLst>
           </p:cNvPr>
@@ -2871,7 +2918,7 @@
           <p:cNvPr id="5" name="Text Placeholder 4">
             <a:extLst>
               <a:ext uri="{FF2B5EF4-FFF2-40B4-BE49-F238E27FC236}">
-                <a16:creationId xmlns:a16="http://schemas.microsoft.com/office/drawing/2014/main" id="{5B61D442-0C89-4492-BD9E-16DC5D569F80}"/>
+                <a16:creationId xmlns:a16="http://schemas.microsoft.com/office/drawing/2014/main" id="{DD4C98C2-3579-4B53-BF73-246E373564BA}"/>
               </a:ext>
             </a:extLst>
           </p:cNvPr>
@@ -2886,6 +2933,40 @@
         <p:txBody>
           <a:bodyPr/>
           <a:lstStyle/>
+          <a:p>
+            <a:r>
+              <a:rPr lang="en-US" dirty="0"/>
+              <a:t>Reporter:</a:t>
+            </a:r>
+          </a:p>
+          <a:p>
+            <a:pPr lvl="1"/>
+            <a:r>
+              <a:rPr lang="en-US" dirty="0"/>
+              <a:t>Retrieves all component information of a project.</a:t>
+            </a:r>
+          </a:p>
+          <a:p>
+            <a:pPr lvl="1"/>
+            <a:r>
+              <a:rPr lang="en-US" dirty="0"/>
+              <a:t>Shows both CVSS v2 and v3 scores and information.</a:t>
+            </a:r>
+          </a:p>
+          <a:p>
+            <a:pPr lvl="1"/>
+            <a:r>
+              <a:rPr lang="en-US" dirty="0"/>
+              <a:t>Generates simple PDF report.</a:t>
+            </a:r>
+          </a:p>
+          <a:p>
+            <a:pPr lvl="1"/>
+            <a:r>
+              <a:rPr lang="en-US" dirty="0"/>
+              <a:t>Helps to decide the correct release.</a:t>
+            </a:r>
+          </a:p>
           <a:p>
             <a:endParaRPr lang="en-US" dirty="0"/>
           </a:p>
@@ -2894,7 +2975,7 @@
     </p:spTree>
     <p:extLst>
       <p:ext uri="{BB962C8B-B14F-4D97-AF65-F5344CB8AC3E}">
-        <p14:creationId xmlns:p14="http://schemas.microsoft.com/office/powerpoint/2010/main" val="51991537"/>
+        <p14:creationId xmlns:p14="http://schemas.microsoft.com/office/powerpoint/2010/main" val="2702333479"/>
       </p:ext>
     </p:extLst>
   </p:cSld>
@@ -2973,7 +3054,7 @@
             <a:fld id="{4B008DF5-449C-4CDB-99E5-200AB76F51BF}" type="datetime1">
               <a:rPr lang="de-DE" smtClean="0"/>
               <a:pPr/>
-              <a:t>12.10.2021</a:t>
+              <a:t>16.10.2021</a:t>
             </a:fld>
             <a:endParaRPr lang="de-DE"/>
           </a:p>
@@ -3030,10 +3111,56 @@
           <a:bodyPr/>
           <a:lstStyle/>
           <a:p>
-            <a:endParaRPr lang="en-US"/>
-          </a:p>
-        </p:txBody>
-      </p:sp>
+            <a:r>
+              <a:rPr lang="en-US" dirty="0"/>
+              <a:t>OSS Component Analyzer:</a:t>
+            </a:r>
+          </a:p>
+          <a:p>
+            <a:pPr lvl="1"/>
+            <a:r>
+              <a:rPr lang="en-US" dirty="0"/>
+              <a:t>Component name and version extraction from client side.</a:t>
+            </a:r>
+          </a:p>
+        </p:txBody>
+      </p:sp>
+      <p:pic>
+        <p:nvPicPr>
+          <p:cNvPr id="7" name="Picture 6">
+            <a:extLst>
+              <a:ext uri="{FF2B5EF4-FFF2-40B4-BE49-F238E27FC236}">
+                <a16:creationId xmlns:a16="http://schemas.microsoft.com/office/drawing/2014/main" id="{8D9FE336-C970-4039-AC73-0087F6116F5F}"/>
+              </a:ext>
+            </a:extLst>
+          </p:cNvPr>
+          <p:cNvPicPr>
+            <a:picLocks noChangeAspect="1"/>
+          </p:cNvPicPr>
+          <p:nvPr/>
+        </p:nvPicPr>
+        <p:blipFill>
+          <a:blip r:embed="rId2">
+            <a:extLst>
+              <a:ext uri="{28A0092B-C50C-407E-A947-70E740481C1C}">
+                <a14:useLocalDpi xmlns:a14="http://schemas.microsoft.com/office/drawing/2010/main" val="0"/>
+              </a:ext>
+            </a:extLst>
+          </a:blip>
+          <a:stretch>
+            <a:fillRect/>
+          </a:stretch>
+        </p:blipFill>
+        <p:spPr>
+          <a:xfrm>
+            <a:off x="2286000" y="1712472"/>
+            <a:ext cx="4035753" cy="4176078"/>
+          </a:xfrm>
+          <a:prstGeom prst="rect">
+            <a:avLst/>
+          </a:prstGeom>
+        </p:spPr>
+      </p:pic>
     </p:spTree>
     <p:extLst>
       <p:ext uri="{BB962C8B-B14F-4D97-AF65-F5344CB8AC3E}">
@@ -3069,7 +3196,7 @@
           <p:cNvPr id="2" name="Title 1">
             <a:extLst>
               <a:ext uri="{FF2B5EF4-FFF2-40B4-BE49-F238E27FC236}">
-                <a16:creationId xmlns:a16="http://schemas.microsoft.com/office/drawing/2014/main" id="{3962DCFE-25AE-4D82-B037-C12A36442B33}"/>
+                <a16:creationId xmlns:a16="http://schemas.microsoft.com/office/drawing/2014/main" id="{7C404C07-9C5C-47E4-8A23-58827C30103A}"/>
               </a:ext>
             </a:extLst>
           </p:cNvPr>
@@ -3086,10 +3213,9 @@
           <a:lstStyle/>
           <a:p>
             <a:r>
-              <a:rPr lang="en-US"/>
-              <a:t>Future work</a:t>
-            </a:r>
-            <a:endParaRPr lang="en-US" dirty="0"/>
+              <a:rPr lang="en-US" dirty="0"/>
+              <a:t>Contd..</a:t>
+            </a:r>
           </a:p>
         </p:txBody>
       </p:sp>
@@ -3098,7 +3224,7 @@
           <p:cNvPr id="3" name="Date Placeholder 2">
             <a:extLst>
               <a:ext uri="{FF2B5EF4-FFF2-40B4-BE49-F238E27FC236}">
-                <a16:creationId xmlns:a16="http://schemas.microsoft.com/office/drawing/2014/main" id="{63154C1F-A516-4CF3-B1B5-C7C28D528745}"/>
+                <a16:creationId xmlns:a16="http://schemas.microsoft.com/office/drawing/2014/main" id="{E95936AE-7CCD-49C0-8E50-978114093515}"/>
               </a:ext>
             </a:extLst>
           </p:cNvPr>
@@ -3117,7 +3243,7 @@
             <a:fld id="{4B008DF5-449C-4CDB-99E5-200AB76F51BF}" type="datetime1">
               <a:rPr lang="de-DE" smtClean="0"/>
               <a:pPr/>
-              <a:t>12.10.2021</a:t>
+              <a:t>16.10.2021</a:t>
             </a:fld>
             <a:endParaRPr lang="de-DE"/>
           </a:p>
@@ -3128,7 +3254,7 @@
           <p:cNvPr id="4" name="Slide Number Placeholder 3">
             <a:extLst>
               <a:ext uri="{FF2B5EF4-FFF2-40B4-BE49-F238E27FC236}">
-                <a16:creationId xmlns:a16="http://schemas.microsoft.com/office/drawing/2014/main" id="{D9426A66-8765-4BE0-BDFB-112F70749DE0}"/>
+                <a16:creationId xmlns:a16="http://schemas.microsoft.com/office/drawing/2014/main" id="{193900AE-9A6F-47E0-9E22-554AED182DA5}"/>
               </a:ext>
             </a:extLst>
           </p:cNvPr>
@@ -3158,6 +3284,570 @@
           <p:cNvPr id="5" name="Text Placeholder 4">
             <a:extLst>
               <a:ext uri="{FF2B5EF4-FFF2-40B4-BE49-F238E27FC236}">
+                <a16:creationId xmlns:a16="http://schemas.microsoft.com/office/drawing/2014/main" id="{230DE561-B037-428A-B551-FC293B30F46A}"/>
+              </a:ext>
+            </a:extLst>
+          </p:cNvPr>
+          <p:cNvSpPr>
+            <a:spLocks noGrp="1"/>
+          </p:cNvSpPr>
+          <p:nvPr>
+            <p:ph type="body" sz="quarter" idx="13"/>
+          </p:nvPr>
+        </p:nvSpPr>
+        <p:spPr/>
+        <p:txBody>
+          <a:bodyPr/>
+          <a:lstStyle/>
+          <a:p>
+            <a:r>
+              <a:rPr lang="en-US" dirty="0"/>
+              <a:t>OSS Component Evaluator:</a:t>
+            </a:r>
+          </a:p>
+          <a:p>
+            <a:pPr lvl="1"/>
+            <a:r>
+              <a:rPr lang="en-US" dirty="0"/>
+              <a:t>Retrieves vulnerability information from NVD:</a:t>
+            </a:r>
+          </a:p>
+          <a:p>
+            <a:pPr lvl="1"/>
+            <a:endParaRPr lang="en-US" dirty="0"/>
+          </a:p>
+        </p:txBody>
+      </p:sp>
+      <p:pic>
+        <p:nvPicPr>
+          <p:cNvPr id="7" name="Picture 6">
+            <a:extLst>
+              <a:ext uri="{FF2B5EF4-FFF2-40B4-BE49-F238E27FC236}">
+                <a16:creationId xmlns:a16="http://schemas.microsoft.com/office/drawing/2014/main" id="{5A731BC3-FE6D-4BDF-947A-2EAF32CF9CA7}"/>
+              </a:ext>
+            </a:extLst>
+          </p:cNvPr>
+          <p:cNvPicPr>
+            <a:picLocks noChangeAspect="1"/>
+          </p:cNvPicPr>
+          <p:nvPr/>
+        </p:nvPicPr>
+        <p:blipFill>
+          <a:blip r:embed="rId2">
+            <a:extLst>
+              <a:ext uri="{28A0092B-C50C-407E-A947-70E740481C1C}">
+                <a14:useLocalDpi xmlns:a14="http://schemas.microsoft.com/office/drawing/2010/main" val="0"/>
+              </a:ext>
+            </a:extLst>
+          </a:blip>
+          <a:stretch>
+            <a:fillRect/>
+          </a:stretch>
+        </p:blipFill>
+        <p:spPr>
+          <a:xfrm>
+            <a:off x="2057400" y="1705473"/>
+            <a:ext cx="3892483" cy="4314327"/>
+          </a:xfrm>
+          <a:prstGeom prst="rect">
+            <a:avLst/>
+          </a:prstGeom>
+        </p:spPr>
+      </p:pic>
+    </p:spTree>
+    <p:extLst>
+      <p:ext uri="{BB962C8B-B14F-4D97-AF65-F5344CB8AC3E}">
+        <p14:creationId xmlns:p14="http://schemas.microsoft.com/office/powerpoint/2010/main" val="1886231478"/>
+      </p:ext>
+    </p:extLst>
+  </p:cSld>
+  <p:clrMapOvr>
+    <a:masterClrMapping/>
+  </p:clrMapOvr>
+</p:sld>
+</file>
+
+<file path=ppt/slides/slide14.xml><?xml version="1.0" encoding="utf-8"?>
+<p:sld xmlns:a="http://schemas.openxmlformats.org/drawingml/2006/main" xmlns:r="http://schemas.openxmlformats.org/officeDocument/2006/relationships" xmlns:p="http://schemas.openxmlformats.org/presentationml/2006/main">
+  <p:cSld>
+    <p:spTree>
+      <p:nvGrpSpPr>
+        <p:cNvPr id="1" name=""/>
+        <p:cNvGrpSpPr/>
+        <p:nvPr/>
+      </p:nvGrpSpPr>
+      <p:grpSpPr>
+        <a:xfrm>
+          <a:off x="0" y="0"/>
+          <a:ext cx="0" cy="0"/>
+          <a:chOff x="0" y="0"/>
+          <a:chExt cx="0" cy="0"/>
+        </a:xfrm>
+      </p:grpSpPr>
+      <p:sp>
+        <p:nvSpPr>
+          <p:cNvPr id="2" name="Title 1">
+            <a:extLst>
+              <a:ext uri="{FF2B5EF4-FFF2-40B4-BE49-F238E27FC236}">
+                <a16:creationId xmlns:a16="http://schemas.microsoft.com/office/drawing/2014/main" id="{74F34AF7-6E79-4FDC-A991-629A91445CB6}"/>
+              </a:ext>
+            </a:extLst>
+          </p:cNvPr>
+          <p:cNvSpPr>
+            <a:spLocks noGrp="1"/>
+          </p:cNvSpPr>
+          <p:nvPr>
+            <p:ph type="title"/>
+          </p:nvPr>
+        </p:nvSpPr>
+        <p:spPr/>
+        <p:txBody>
+          <a:bodyPr/>
+          <a:lstStyle/>
+          <a:p>
+            <a:r>
+              <a:rPr lang="en-US" dirty="0"/>
+              <a:t>Contd..</a:t>
+            </a:r>
+          </a:p>
+        </p:txBody>
+      </p:sp>
+      <p:sp>
+        <p:nvSpPr>
+          <p:cNvPr id="3" name="Date Placeholder 2">
+            <a:extLst>
+              <a:ext uri="{FF2B5EF4-FFF2-40B4-BE49-F238E27FC236}">
+                <a16:creationId xmlns:a16="http://schemas.microsoft.com/office/drawing/2014/main" id="{DB4893EC-9127-49A2-99F5-F5B5B43EB104}"/>
+              </a:ext>
+            </a:extLst>
+          </p:cNvPr>
+          <p:cNvSpPr>
+            <a:spLocks noGrp="1"/>
+          </p:cNvSpPr>
+          <p:nvPr>
+            <p:ph type="dt" sz="half" idx="10"/>
+          </p:nvPr>
+        </p:nvSpPr>
+        <p:spPr/>
+        <p:txBody>
+          <a:bodyPr/>
+          <a:lstStyle/>
+          <a:p>
+            <a:fld id="{4B008DF5-449C-4CDB-99E5-200AB76F51BF}" type="datetime1">
+              <a:rPr lang="de-DE" smtClean="0"/>
+              <a:pPr/>
+              <a:t>16.10.2021</a:t>
+            </a:fld>
+            <a:endParaRPr lang="de-DE"/>
+          </a:p>
+        </p:txBody>
+      </p:sp>
+      <p:sp>
+        <p:nvSpPr>
+          <p:cNvPr id="4" name="Slide Number Placeholder 3">
+            <a:extLst>
+              <a:ext uri="{FF2B5EF4-FFF2-40B4-BE49-F238E27FC236}">
+                <a16:creationId xmlns:a16="http://schemas.microsoft.com/office/drawing/2014/main" id="{CD1E39A4-66BB-4FCC-9D76-1B029FD9AAFC}"/>
+              </a:ext>
+            </a:extLst>
+          </p:cNvPr>
+          <p:cNvSpPr>
+            <a:spLocks noGrp="1"/>
+          </p:cNvSpPr>
+          <p:nvPr>
+            <p:ph type="sldNum" sz="quarter" idx="12"/>
+          </p:nvPr>
+        </p:nvSpPr>
+        <p:spPr/>
+        <p:txBody>
+          <a:bodyPr/>
+          <a:lstStyle/>
+          <a:p>
+            <a:fld id="{50E76E58-F275-47A3-BB17-470016A267B6}" type="slidenum">
+              <a:rPr lang="de-DE" smtClean="0"/>
+              <a:pPr/>
+              <a:t>14</a:t>
+            </a:fld>
+            <a:endParaRPr lang="de-DE"/>
+          </a:p>
+        </p:txBody>
+      </p:sp>
+      <p:sp>
+        <p:nvSpPr>
+          <p:cNvPr id="5" name="Text Placeholder 4">
+            <a:extLst>
+              <a:ext uri="{FF2B5EF4-FFF2-40B4-BE49-F238E27FC236}">
+                <a16:creationId xmlns:a16="http://schemas.microsoft.com/office/drawing/2014/main" id="{85F1A24A-9098-43C3-8168-086FBE2D225A}"/>
+              </a:ext>
+            </a:extLst>
+          </p:cNvPr>
+          <p:cNvSpPr>
+            <a:spLocks noGrp="1"/>
+          </p:cNvSpPr>
+          <p:nvPr>
+            <p:ph type="body" sz="quarter" idx="13"/>
+          </p:nvPr>
+        </p:nvSpPr>
+        <p:spPr/>
+        <p:txBody>
+          <a:bodyPr/>
+          <a:lstStyle/>
+          <a:p>
+            <a:r>
+              <a:rPr lang="en-US" dirty="0"/>
+              <a:t>Reporter:</a:t>
+            </a:r>
+          </a:p>
+          <a:p>
+            <a:pPr lvl="1"/>
+            <a:r>
+              <a:rPr lang="en-US" dirty="0"/>
+              <a:t>Generates vulnerability report of each OSS component.</a:t>
+            </a:r>
+          </a:p>
+        </p:txBody>
+      </p:sp>
+      <p:pic>
+        <p:nvPicPr>
+          <p:cNvPr id="7" name="Picture 6">
+            <a:extLst>
+              <a:ext uri="{FF2B5EF4-FFF2-40B4-BE49-F238E27FC236}">
+                <a16:creationId xmlns:a16="http://schemas.microsoft.com/office/drawing/2014/main" id="{C42730D4-0641-4C93-8CD3-74B6336A155F}"/>
+              </a:ext>
+            </a:extLst>
+          </p:cNvPr>
+          <p:cNvPicPr>
+            <a:picLocks noChangeAspect="1"/>
+          </p:cNvPicPr>
+          <p:nvPr/>
+        </p:nvPicPr>
+        <p:blipFill>
+          <a:blip r:embed="rId2">
+            <a:extLst>
+              <a:ext uri="{28A0092B-C50C-407E-A947-70E740481C1C}">
+                <a14:useLocalDpi xmlns:a14="http://schemas.microsoft.com/office/drawing/2010/main" val="0"/>
+              </a:ext>
+            </a:extLst>
+          </a:blip>
+          <a:stretch>
+            <a:fillRect/>
+          </a:stretch>
+        </p:blipFill>
+        <p:spPr>
+          <a:xfrm>
+            <a:off x="1600200" y="1767819"/>
+            <a:ext cx="4817225" cy="4232387"/>
+          </a:xfrm>
+          <a:prstGeom prst="rect">
+            <a:avLst/>
+          </a:prstGeom>
+        </p:spPr>
+      </p:pic>
+    </p:spTree>
+    <p:extLst>
+      <p:ext uri="{BB962C8B-B14F-4D97-AF65-F5344CB8AC3E}">
+        <p14:creationId xmlns:p14="http://schemas.microsoft.com/office/powerpoint/2010/main" val="2410433217"/>
+      </p:ext>
+    </p:extLst>
+  </p:cSld>
+  <p:clrMapOvr>
+    <a:masterClrMapping/>
+  </p:clrMapOvr>
+</p:sld>
+</file>
+
+<file path=ppt/slides/slide15.xml><?xml version="1.0" encoding="utf-8"?>
+<p:sld xmlns:a="http://schemas.openxmlformats.org/drawingml/2006/main" xmlns:r="http://schemas.openxmlformats.org/officeDocument/2006/relationships" xmlns:p="http://schemas.openxmlformats.org/presentationml/2006/main">
+  <p:cSld>
+    <p:spTree>
+      <p:nvGrpSpPr>
+        <p:cNvPr id="1" name=""/>
+        <p:cNvGrpSpPr/>
+        <p:nvPr/>
+      </p:nvGrpSpPr>
+      <p:grpSpPr>
+        <a:xfrm>
+          <a:off x="0" y="0"/>
+          <a:ext cx="0" cy="0"/>
+          <a:chOff x="0" y="0"/>
+          <a:chExt cx="0" cy="0"/>
+        </a:xfrm>
+      </p:grpSpPr>
+      <p:sp>
+        <p:nvSpPr>
+          <p:cNvPr id="2" name="Title 1">
+            <a:extLst>
+              <a:ext uri="{FF2B5EF4-FFF2-40B4-BE49-F238E27FC236}">
+                <a16:creationId xmlns:a16="http://schemas.microsoft.com/office/drawing/2014/main" id="{4C33BCA7-3E48-45BF-AFE3-4B3D3B6BE6B2}"/>
+              </a:ext>
+            </a:extLst>
+          </p:cNvPr>
+          <p:cNvSpPr>
+            <a:spLocks noGrp="1"/>
+          </p:cNvSpPr>
+          <p:nvPr>
+            <p:ph type="title"/>
+          </p:nvPr>
+        </p:nvSpPr>
+        <p:spPr/>
+        <p:txBody>
+          <a:bodyPr/>
+          <a:lstStyle/>
+          <a:p>
+            <a:r>
+              <a:rPr lang="en-US" dirty="0"/>
+              <a:t>Conclusion</a:t>
+            </a:r>
+          </a:p>
+        </p:txBody>
+      </p:sp>
+      <p:sp>
+        <p:nvSpPr>
+          <p:cNvPr id="3" name="Date Placeholder 2">
+            <a:extLst>
+              <a:ext uri="{FF2B5EF4-FFF2-40B4-BE49-F238E27FC236}">
+                <a16:creationId xmlns:a16="http://schemas.microsoft.com/office/drawing/2014/main" id="{C1698D9F-7EAA-45DE-82ED-2E4CEA8EC56A}"/>
+              </a:ext>
+            </a:extLst>
+          </p:cNvPr>
+          <p:cNvSpPr>
+            <a:spLocks noGrp="1"/>
+          </p:cNvSpPr>
+          <p:nvPr>
+            <p:ph type="dt" sz="half" idx="10"/>
+          </p:nvPr>
+        </p:nvSpPr>
+        <p:spPr/>
+        <p:txBody>
+          <a:bodyPr/>
+          <a:lstStyle/>
+          <a:p>
+            <a:fld id="{4B008DF5-449C-4CDB-99E5-200AB76F51BF}" type="datetime1">
+              <a:rPr lang="de-DE" smtClean="0"/>
+              <a:pPr/>
+              <a:t>16.10.2021</a:t>
+            </a:fld>
+            <a:endParaRPr lang="de-DE"/>
+          </a:p>
+        </p:txBody>
+      </p:sp>
+      <p:sp>
+        <p:nvSpPr>
+          <p:cNvPr id="4" name="Slide Number Placeholder 3">
+            <a:extLst>
+              <a:ext uri="{FF2B5EF4-FFF2-40B4-BE49-F238E27FC236}">
+                <a16:creationId xmlns:a16="http://schemas.microsoft.com/office/drawing/2014/main" id="{D3B67013-0624-4F07-A101-9F12F724B24C}"/>
+              </a:ext>
+            </a:extLst>
+          </p:cNvPr>
+          <p:cNvSpPr>
+            <a:spLocks noGrp="1"/>
+          </p:cNvSpPr>
+          <p:nvPr>
+            <p:ph type="sldNum" sz="quarter" idx="12"/>
+          </p:nvPr>
+        </p:nvSpPr>
+        <p:spPr/>
+        <p:txBody>
+          <a:bodyPr/>
+          <a:lstStyle/>
+          <a:p>
+            <a:fld id="{50E76E58-F275-47A3-BB17-470016A267B6}" type="slidenum">
+              <a:rPr lang="de-DE" smtClean="0"/>
+              <a:pPr/>
+              <a:t>15</a:t>
+            </a:fld>
+            <a:endParaRPr lang="de-DE"/>
+          </a:p>
+        </p:txBody>
+      </p:sp>
+      <p:sp>
+        <p:nvSpPr>
+          <p:cNvPr id="5" name="Text Placeholder 4">
+            <a:extLst>
+              <a:ext uri="{FF2B5EF4-FFF2-40B4-BE49-F238E27FC236}">
+                <a16:creationId xmlns:a16="http://schemas.microsoft.com/office/drawing/2014/main" id="{0227E784-B1AD-42DD-B56E-D60AD00CCAA2}"/>
+              </a:ext>
+            </a:extLst>
+          </p:cNvPr>
+          <p:cNvSpPr>
+            <a:spLocks noGrp="1"/>
+          </p:cNvSpPr>
+          <p:nvPr>
+            <p:ph type="body" sz="quarter" idx="13"/>
+          </p:nvPr>
+        </p:nvSpPr>
+        <p:spPr/>
+        <p:txBody>
+          <a:bodyPr/>
+          <a:lstStyle/>
+          <a:p>
+            <a:r>
+              <a:rPr lang="en-US" dirty="0"/>
+              <a:t>Software security is vital.</a:t>
+            </a:r>
+          </a:p>
+          <a:p>
+            <a:r>
+              <a:rPr lang="en-US" dirty="0"/>
+              <a:t>Automated the open-source software discovery.</a:t>
+            </a:r>
+          </a:p>
+          <a:p>
+            <a:r>
+              <a:rPr lang="en-US" dirty="0"/>
+              <a:t>The scanner is developed to find all OSS components.</a:t>
+            </a:r>
+          </a:p>
+          <a:p>
+            <a:r>
+              <a:rPr lang="en-US" dirty="0"/>
+              <a:t>Helps the developers to find known vulnerabilities. </a:t>
+            </a:r>
+          </a:p>
+          <a:p>
+            <a:r>
+              <a:rPr lang="en-US" dirty="0"/>
+              <a:t>It can scan Django, Laravel, Ruby on Rails, </a:t>
+            </a:r>
+            <a:r>
+              <a:rPr lang="en-US" dirty="0" err="1"/>
+              <a:t>.Net</a:t>
+            </a:r>
+            <a:r>
+              <a:rPr lang="en-US" dirty="0"/>
+              <a:t> core, Gradle and Maven projects.</a:t>
+            </a:r>
+          </a:p>
+          <a:p>
+            <a:endParaRPr lang="en-US" dirty="0"/>
+          </a:p>
+        </p:txBody>
+      </p:sp>
+    </p:spTree>
+    <p:extLst>
+      <p:ext uri="{BB962C8B-B14F-4D97-AF65-F5344CB8AC3E}">
+        <p14:creationId xmlns:p14="http://schemas.microsoft.com/office/powerpoint/2010/main" val="974792600"/>
+      </p:ext>
+    </p:extLst>
+  </p:cSld>
+  <p:clrMapOvr>
+    <a:masterClrMapping/>
+  </p:clrMapOvr>
+</p:sld>
+</file>
+
+<file path=ppt/slides/slide16.xml><?xml version="1.0" encoding="utf-8"?>
+<p:sld xmlns:a="http://schemas.openxmlformats.org/drawingml/2006/main" xmlns:r="http://schemas.openxmlformats.org/officeDocument/2006/relationships" xmlns:p="http://schemas.openxmlformats.org/presentationml/2006/main">
+  <p:cSld>
+    <p:spTree>
+      <p:nvGrpSpPr>
+        <p:cNvPr id="1" name=""/>
+        <p:cNvGrpSpPr/>
+        <p:nvPr/>
+      </p:nvGrpSpPr>
+      <p:grpSpPr>
+        <a:xfrm>
+          <a:off x="0" y="0"/>
+          <a:ext cx="0" cy="0"/>
+          <a:chOff x="0" y="0"/>
+          <a:chExt cx="0" cy="0"/>
+        </a:xfrm>
+      </p:grpSpPr>
+      <p:sp>
+        <p:nvSpPr>
+          <p:cNvPr id="2" name="Title 1">
+            <a:extLst>
+              <a:ext uri="{FF2B5EF4-FFF2-40B4-BE49-F238E27FC236}">
+                <a16:creationId xmlns:a16="http://schemas.microsoft.com/office/drawing/2014/main" id="{3962DCFE-25AE-4D82-B037-C12A36442B33}"/>
+              </a:ext>
+            </a:extLst>
+          </p:cNvPr>
+          <p:cNvSpPr>
+            <a:spLocks noGrp="1"/>
+          </p:cNvSpPr>
+          <p:nvPr>
+            <p:ph type="title"/>
+          </p:nvPr>
+        </p:nvSpPr>
+        <p:spPr/>
+        <p:txBody>
+          <a:bodyPr/>
+          <a:lstStyle/>
+          <a:p>
+            <a:r>
+              <a:rPr lang="en-US"/>
+              <a:t>Future work</a:t>
+            </a:r>
+            <a:endParaRPr lang="en-US" dirty="0"/>
+          </a:p>
+        </p:txBody>
+      </p:sp>
+      <p:sp>
+        <p:nvSpPr>
+          <p:cNvPr id="3" name="Date Placeholder 2">
+            <a:extLst>
+              <a:ext uri="{FF2B5EF4-FFF2-40B4-BE49-F238E27FC236}">
+                <a16:creationId xmlns:a16="http://schemas.microsoft.com/office/drawing/2014/main" id="{63154C1F-A516-4CF3-B1B5-C7C28D528745}"/>
+              </a:ext>
+            </a:extLst>
+          </p:cNvPr>
+          <p:cNvSpPr>
+            <a:spLocks noGrp="1"/>
+          </p:cNvSpPr>
+          <p:nvPr>
+            <p:ph type="dt" sz="half" idx="10"/>
+          </p:nvPr>
+        </p:nvSpPr>
+        <p:spPr/>
+        <p:txBody>
+          <a:bodyPr/>
+          <a:lstStyle/>
+          <a:p>
+            <a:fld id="{4B008DF5-449C-4CDB-99E5-200AB76F51BF}" type="datetime1">
+              <a:rPr lang="de-DE" smtClean="0"/>
+              <a:pPr/>
+              <a:t>16.10.2021</a:t>
+            </a:fld>
+            <a:endParaRPr lang="de-DE"/>
+          </a:p>
+        </p:txBody>
+      </p:sp>
+      <p:sp>
+        <p:nvSpPr>
+          <p:cNvPr id="4" name="Slide Number Placeholder 3">
+            <a:extLst>
+              <a:ext uri="{FF2B5EF4-FFF2-40B4-BE49-F238E27FC236}">
+                <a16:creationId xmlns:a16="http://schemas.microsoft.com/office/drawing/2014/main" id="{D9426A66-8765-4BE0-BDFB-112F70749DE0}"/>
+              </a:ext>
+            </a:extLst>
+          </p:cNvPr>
+          <p:cNvSpPr>
+            <a:spLocks noGrp="1"/>
+          </p:cNvSpPr>
+          <p:nvPr>
+            <p:ph type="sldNum" sz="quarter" idx="12"/>
+          </p:nvPr>
+        </p:nvSpPr>
+        <p:spPr/>
+        <p:txBody>
+          <a:bodyPr/>
+          <a:lstStyle/>
+          <a:p>
+            <a:fld id="{50E76E58-F275-47A3-BB17-470016A267B6}" type="slidenum">
+              <a:rPr lang="de-DE" smtClean="0"/>
+              <a:pPr/>
+              <a:t>16</a:t>
+            </a:fld>
+            <a:endParaRPr lang="de-DE"/>
+          </a:p>
+        </p:txBody>
+      </p:sp>
+      <p:sp>
+        <p:nvSpPr>
+          <p:cNvPr id="5" name="Text Placeholder 4">
+            <a:extLst>
+              <a:ext uri="{FF2B5EF4-FFF2-40B4-BE49-F238E27FC236}">
                 <a16:creationId xmlns:a16="http://schemas.microsoft.com/office/drawing/2014/main" id="{8742739B-181A-4BCF-B965-00464BDD4694}"/>
               </a:ext>
             </a:extLst>
@@ -3174,7 +3864,40 @@
           <a:bodyPr/>
           <a:lstStyle/>
           <a:p>
-            <a:endParaRPr lang="en-US"/>
+            <a:r>
+              <a:rPr lang="en-US" dirty="0"/>
+              <a:t>The extracted OSS components can be used for license clearing process.</a:t>
+            </a:r>
+          </a:p>
+          <a:p>
+            <a:pPr lvl="1"/>
+            <a:r>
+              <a:rPr lang="en-US" dirty="0"/>
+              <a:t>Tracking software usage.</a:t>
+            </a:r>
+          </a:p>
+          <a:p>
+            <a:pPr lvl="1"/>
+            <a:r>
+              <a:rPr lang="en-US" dirty="0"/>
+              <a:t>Avoid unwanted cost.</a:t>
+            </a:r>
+          </a:p>
+          <a:p>
+            <a:pPr lvl="1"/>
+            <a:r>
+              <a:rPr lang="en-US" dirty="0"/>
+              <a:t>Copy left issues</a:t>
+            </a:r>
+          </a:p>
+          <a:p>
+            <a:r>
+              <a:rPr lang="en-US" dirty="0"/>
+              <a:t>Release recommendation for vulnerable OSS component.</a:t>
+            </a:r>
+          </a:p>
+          <a:p>
+            <a:endParaRPr lang="en-US" dirty="0"/>
           </a:p>
         </p:txBody>
       </p:sp>
@@ -3182,6 +3905,158 @@
     <p:extLst>
       <p:ext uri="{BB962C8B-B14F-4D97-AF65-F5344CB8AC3E}">
         <p14:creationId xmlns:p14="http://schemas.microsoft.com/office/powerpoint/2010/main" val="1361594742"/>
+      </p:ext>
+    </p:extLst>
+  </p:cSld>
+  <p:clrMapOvr>
+    <a:masterClrMapping/>
+  </p:clrMapOvr>
+</p:sld>
+</file>
+
+<file path=ppt/slides/slide17.xml><?xml version="1.0" encoding="utf-8"?>
+<p:sld xmlns:a="http://schemas.openxmlformats.org/drawingml/2006/main" xmlns:r="http://schemas.openxmlformats.org/officeDocument/2006/relationships" xmlns:p="http://schemas.openxmlformats.org/presentationml/2006/main">
+  <p:cSld>
+    <p:spTree>
+      <p:nvGrpSpPr>
+        <p:cNvPr id="1" name=""/>
+        <p:cNvGrpSpPr/>
+        <p:nvPr/>
+      </p:nvGrpSpPr>
+      <p:grpSpPr>
+        <a:xfrm>
+          <a:off x="0" y="0"/>
+          <a:ext cx="0" cy="0"/>
+          <a:chOff x="0" y="0"/>
+          <a:chExt cx="0" cy="0"/>
+        </a:xfrm>
+      </p:grpSpPr>
+      <p:sp>
+        <p:nvSpPr>
+          <p:cNvPr id="2" name="Title 1">
+            <a:extLst>
+              <a:ext uri="{FF2B5EF4-FFF2-40B4-BE49-F238E27FC236}">
+                <a16:creationId xmlns:a16="http://schemas.microsoft.com/office/drawing/2014/main" id="{18E8A526-2B36-4DD6-925A-2B81811C11B7}"/>
+              </a:ext>
+            </a:extLst>
+          </p:cNvPr>
+          <p:cNvSpPr>
+            <a:spLocks noGrp="1"/>
+          </p:cNvSpPr>
+          <p:nvPr>
+            <p:ph type="title"/>
+          </p:nvPr>
+        </p:nvSpPr>
+        <p:spPr/>
+        <p:txBody>
+          <a:bodyPr/>
+          <a:lstStyle/>
+          <a:p>
+            <a:endParaRPr lang="en-US" dirty="0"/>
+          </a:p>
+        </p:txBody>
+      </p:sp>
+      <p:sp>
+        <p:nvSpPr>
+          <p:cNvPr id="3" name="Date Placeholder 2">
+            <a:extLst>
+              <a:ext uri="{FF2B5EF4-FFF2-40B4-BE49-F238E27FC236}">
+                <a16:creationId xmlns:a16="http://schemas.microsoft.com/office/drawing/2014/main" id="{543A33A0-B9B6-4FB8-8906-0C9F4C1D0C1C}"/>
+              </a:ext>
+            </a:extLst>
+          </p:cNvPr>
+          <p:cNvSpPr>
+            <a:spLocks noGrp="1"/>
+          </p:cNvSpPr>
+          <p:nvPr>
+            <p:ph type="dt" sz="half" idx="10"/>
+          </p:nvPr>
+        </p:nvSpPr>
+        <p:spPr/>
+        <p:txBody>
+          <a:bodyPr/>
+          <a:lstStyle/>
+          <a:p>
+            <a:fld id="{4B008DF5-449C-4CDB-99E5-200AB76F51BF}" type="datetime1">
+              <a:rPr lang="de-DE" smtClean="0"/>
+              <a:pPr/>
+              <a:t>16.10.2021</a:t>
+            </a:fld>
+            <a:endParaRPr lang="de-DE"/>
+          </a:p>
+        </p:txBody>
+      </p:sp>
+      <p:sp>
+        <p:nvSpPr>
+          <p:cNvPr id="4" name="Slide Number Placeholder 3">
+            <a:extLst>
+              <a:ext uri="{FF2B5EF4-FFF2-40B4-BE49-F238E27FC236}">
+                <a16:creationId xmlns:a16="http://schemas.microsoft.com/office/drawing/2014/main" id="{6401024D-F679-4BAB-BA2D-C07F4895D31E}"/>
+              </a:ext>
+            </a:extLst>
+          </p:cNvPr>
+          <p:cNvSpPr>
+            <a:spLocks noGrp="1"/>
+          </p:cNvSpPr>
+          <p:nvPr>
+            <p:ph type="sldNum" sz="quarter" idx="12"/>
+          </p:nvPr>
+        </p:nvSpPr>
+        <p:spPr/>
+        <p:txBody>
+          <a:bodyPr/>
+          <a:lstStyle/>
+          <a:p>
+            <a:fld id="{50E76E58-F275-47A3-BB17-470016A267B6}" type="slidenum">
+              <a:rPr lang="de-DE" smtClean="0"/>
+              <a:pPr/>
+              <a:t>17</a:t>
+            </a:fld>
+            <a:endParaRPr lang="de-DE"/>
+          </a:p>
+        </p:txBody>
+      </p:sp>
+      <p:sp>
+        <p:nvSpPr>
+          <p:cNvPr id="5" name="Text Placeholder 4">
+            <a:extLst>
+              <a:ext uri="{FF2B5EF4-FFF2-40B4-BE49-F238E27FC236}">
+                <a16:creationId xmlns:a16="http://schemas.microsoft.com/office/drawing/2014/main" id="{D90F8FAA-2FFD-4E92-A446-F5725E286F95}"/>
+              </a:ext>
+            </a:extLst>
+          </p:cNvPr>
+          <p:cNvSpPr>
+            <a:spLocks noGrp="1"/>
+          </p:cNvSpPr>
+          <p:nvPr>
+            <p:ph type="body" sz="quarter" idx="13"/>
+          </p:nvPr>
+        </p:nvSpPr>
+        <p:spPr/>
+        <p:txBody>
+          <a:bodyPr/>
+          <a:lstStyle/>
+          <a:p>
+            <a:pPr marL="0" indent="0" algn="ctr">
+              <a:buNone/>
+            </a:pPr>
+            <a:endParaRPr lang="en-US" sz="6000" dirty="0"/>
+          </a:p>
+          <a:p>
+            <a:pPr marL="0" indent="0" algn="ctr">
+              <a:buNone/>
+            </a:pPr>
+            <a:r>
+              <a:rPr lang="en-US" sz="6000" dirty="0"/>
+              <a:t>Thank you</a:t>
+            </a:r>
+          </a:p>
+        </p:txBody>
+      </p:sp>
+    </p:spTree>
+    <p:extLst>
+      <p:ext uri="{BB962C8B-B14F-4D97-AF65-F5344CB8AC3E}">
+        <p14:creationId xmlns:p14="http://schemas.microsoft.com/office/powerpoint/2010/main" val="736390137"/>
       </p:ext>
     </p:extLst>
   </p:cSld>
@@ -3260,7 +4135,7 @@
             <a:fld id="{4B008DF5-449C-4CDB-99E5-200AB76F51BF}" type="datetime1">
               <a:rPr lang="de-DE" smtClean="0"/>
               <a:pPr/>
-              <a:t>12.10.2021</a:t>
+              <a:t>16.10.2021</a:t>
             </a:fld>
             <a:endParaRPr lang="de-DE"/>
           </a:p>
@@ -3319,15 +4194,9 @@
           <a:p>
             <a:r>
               <a:rPr lang="de-DE" dirty="0" err="1"/>
-              <a:t>Introduction</a:t>
+              <a:t>Introdution</a:t>
             </a:r>
             <a:endParaRPr lang="de-DE" dirty="0"/>
-          </a:p>
-          <a:p>
-            <a:r>
-              <a:rPr lang="de-DE" dirty="0"/>
-              <a:t>Problem Statement  </a:t>
-            </a:r>
           </a:p>
           <a:p>
             <a:r>
@@ -3338,14 +4207,49 @@
           <a:p>
             <a:r>
               <a:rPr lang="de-DE" dirty="0"/>
-              <a:t>Architecture </a:t>
-            </a:r>
+              <a:t>Research &amp; Question</a:t>
+            </a:r>
+          </a:p>
+          <a:p>
+            <a:r>
+              <a:rPr lang="de-DE" dirty="0"/>
+              <a:t>Design &amp; </a:t>
+            </a:r>
+            <a:r>
+              <a:rPr lang="de-DE" dirty="0" err="1"/>
+              <a:t>Challenges</a:t>
+            </a:r>
+            <a:endParaRPr lang="de-DE" dirty="0"/>
           </a:p>
           <a:p>
             <a:r>
               <a:rPr lang="de-DE" dirty="0"/>
               <a:t>Implementation</a:t>
             </a:r>
+          </a:p>
+          <a:p>
+            <a:r>
+              <a:rPr lang="de-DE" dirty="0" err="1"/>
+              <a:t>Results</a:t>
+            </a:r>
+            <a:r>
+              <a:rPr lang="de-DE" dirty="0"/>
+              <a:t> &amp; </a:t>
+            </a:r>
+            <a:r>
+              <a:rPr lang="de-DE" dirty="0" err="1"/>
+              <a:t>Conclusion</a:t>
+            </a:r>
+            <a:endParaRPr lang="de-DE" dirty="0"/>
+          </a:p>
+          <a:p>
+            <a:r>
+              <a:rPr lang="de-DE" dirty="0"/>
+              <a:t>Future Work</a:t>
+            </a:r>
+          </a:p>
+          <a:p>
+            <a:endParaRPr lang="de-DE" dirty="0"/>
           </a:p>
           <a:p>
             <a:endParaRPr lang="de-DE" dirty="0"/>
@@ -3466,7 +4370,7 @@
             <a:fld id="{4B008DF5-449C-4CDB-99E5-200AB76F51BF}" type="datetime1">
               <a:rPr lang="de-DE" smtClean="0"/>
               <a:pPr/>
-              <a:t>12.10.2021</a:t>
+              <a:t>16.10.2021</a:t>
             </a:fld>
             <a:endParaRPr lang="de-DE"/>
           </a:p>
@@ -3658,7 +4562,7 @@
             <a:fld id="{4B008DF5-449C-4CDB-99E5-200AB76F51BF}" type="datetime1">
               <a:rPr lang="de-DE" smtClean="0"/>
               <a:pPr/>
-              <a:t>12.10.2021</a:t>
+              <a:t>16.10.2021</a:t>
             </a:fld>
             <a:endParaRPr lang="de-DE"/>
           </a:p>
@@ -3717,7 +4621,7 @@
           <a:p>
             <a:r>
               <a:rPr lang="en-US" dirty="0"/>
-              <a:t>High usage of software application.</a:t>
+              <a:t>High usage of open-source software.</a:t>
             </a:r>
           </a:p>
           <a:p>
@@ -3793,7 +4697,7 @@
           <p:cNvPr id="2" name="Title 1">
             <a:extLst>
               <a:ext uri="{FF2B5EF4-FFF2-40B4-BE49-F238E27FC236}">
-                <a16:creationId xmlns:a16="http://schemas.microsoft.com/office/drawing/2014/main" id="{B7E80EAE-B79B-43EB-8261-40A62CF230AB}"/>
+                <a16:creationId xmlns:a16="http://schemas.microsoft.com/office/drawing/2014/main" id="{AC322469-99AD-454B-AD02-29EF8BBAE857}"/>
               </a:ext>
             </a:extLst>
           </p:cNvPr>
@@ -3811,7 +4715,7 @@
           <a:p>
             <a:r>
               <a:rPr lang="en-US" dirty="0"/>
-              <a:t>Research Question.</a:t>
+              <a:t>Research &amp; Question.</a:t>
             </a:r>
           </a:p>
         </p:txBody>
@@ -3821,7 +4725,7 @@
           <p:cNvPr id="3" name="Date Placeholder 2">
             <a:extLst>
               <a:ext uri="{FF2B5EF4-FFF2-40B4-BE49-F238E27FC236}">
-                <a16:creationId xmlns:a16="http://schemas.microsoft.com/office/drawing/2014/main" id="{D866DB86-FCCD-4D8C-8E19-1821793CC130}"/>
+                <a16:creationId xmlns:a16="http://schemas.microsoft.com/office/drawing/2014/main" id="{A2CED778-49BF-46CD-A881-EE2399D2B95D}"/>
               </a:ext>
             </a:extLst>
           </p:cNvPr>
@@ -3840,7 +4744,7 @@
             <a:fld id="{4B008DF5-449C-4CDB-99E5-200AB76F51BF}" type="datetime1">
               <a:rPr lang="de-DE" smtClean="0"/>
               <a:pPr/>
-              <a:t>12.10.2021</a:t>
+              <a:t>16.10.2021</a:t>
             </a:fld>
             <a:endParaRPr lang="de-DE"/>
           </a:p>
@@ -3851,7 +4755,7 @@
           <p:cNvPr id="4" name="Slide Number Placeholder 3">
             <a:extLst>
               <a:ext uri="{FF2B5EF4-FFF2-40B4-BE49-F238E27FC236}">
-                <a16:creationId xmlns:a16="http://schemas.microsoft.com/office/drawing/2014/main" id="{9E871C08-6C41-4DD3-A340-3B82932A5A48}"/>
+                <a16:creationId xmlns:a16="http://schemas.microsoft.com/office/drawing/2014/main" id="{131FF8E0-3C90-45D5-A87D-8133DC8C2D23}"/>
               </a:ext>
             </a:extLst>
           </p:cNvPr>
@@ -3881,7 +4785,7 @@
           <p:cNvPr id="5" name="Text Placeholder 4">
             <a:extLst>
               <a:ext uri="{FF2B5EF4-FFF2-40B4-BE49-F238E27FC236}">
-                <a16:creationId xmlns:a16="http://schemas.microsoft.com/office/drawing/2014/main" id="{4ACE285D-52B5-4E68-B21C-3F52057E1742}"/>
+                <a16:creationId xmlns:a16="http://schemas.microsoft.com/office/drawing/2014/main" id="{A068EC98-16FB-4B90-BFFF-B9DAF68625F3}"/>
               </a:ext>
             </a:extLst>
           </p:cNvPr>
@@ -3898,22 +4802,114 @@
           <a:lstStyle/>
           <a:p>
             <a:r>
-              <a:rPr lang="en-US" dirty="0"/>
-              <a:t>What type of analysis method can be used for extracting the open-source software components from a software project?</a:t>
-            </a:r>
-          </a:p>
-          <a:p>
-            <a:r>
-              <a:rPr lang="en-US" dirty="0"/>
-              <a:t>How the software components can be evaluated to </a:t>
-            </a:r>
-            <a:r>
-              <a:rPr lang="en-US" dirty="0" err="1"/>
-              <a:t>nd</a:t>
-            </a:r>
-            <a:r>
-              <a:rPr lang="en-US" dirty="0"/>
-              <a:t> the vulnerability?</a:t>
+              <a:rPr lang="en-US" sz="2000" dirty="0"/>
+              <a:t>Vulnerability Analysis:</a:t>
+            </a:r>
+          </a:p>
+          <a:p>
+            <a:pPr lvl="1"/>
+            <a:r>
+              <a:rPr lang="en-US" sz="1800" dirty="0"/>
+              <a:t>Vulnerability Attacks: </a:t>
+            </a:r>
+          </a:p>
+          <a:p>
+            <a:pPr lvl="2"/>
+            <a:r>
+              <a:rPr lang="en-US" sz="1800" dirty="0"/>
+              <a:t>Configuration, security patches, zero-day, faulty OSS package.</a:t>
+            </a:r>
+          </a:p>
+          <a:p>
+            <a:pPr lvl="1"/>
+            <a:r>
+              <a:rPr lang="en-US" sz="1800" dirty="0"/>
+              <a:t>Vulnerability Analysis types:</a:t>
+            </a:r>
+          </a:p>
+          <a:p>
+            <a:pPr lvl="2"/>
+            <a:r>
+              <a:rPr lang="en-US" sz="1800" dirty="0"/>
+              <a:t>Network, Host, Database, Application.</a:t>
+            </a:r>
+          </a:p>
+          <a:p>
+            <a:pPr lvl="1"/>
+            <a:r>
+              <a:rPr lang="en-US" sz="1800" dirty="0"/>
+              <a:t>Vulnerability Database:</a:t>
+            </a:r>
+          </a:p>
+          <a:p>
+            <a:pPr lvl="2"/>
+            <a:r>
+              <a:rPr lang="en-US" sz="1800" dirty="0"/>
+              <a:t>NVD, </a:t>
+            </a:r>
+            <a:r>
+              <a:rPr lang="en-US" sz="1800" dirty="0" err="1"/>
+              <a:t>SecurityFocus</a:t>
+            </a:r>
+            <a:r>
+              <a:rPr lang="en-US" sz="1800" dirty="0"/>
+              <a:t>, IBM-X force, CERT/CC</a:t>
+            </a:r>
+          </a:p>
+          <a:p>
+            <a:r>
+              <a:rPr lang="en-US" sz="2000" dirty="0"/>
+              <a:t>Data Scraping:</a:t>
+            </a:r>
+          </a:p>
+          <a:p>
+            <a:pPr lvl="1"/>
+            <a:r>
+              <a:rPr lang="en-US" sz="1800" dirty="0"/>
+              <a:t>Types:</a:t>
+            </a:r>
+          </a:p>
+          <a:p>
+            <a:pPr lvl="2"/>
+            <a:r>
+              <a:rPr lang="en-US" sz="1800" dirty="0"/>
+              <a:t>Web scraping, Screen Scraping</a:t>
+            </a:r>
+          </a:p>
+          <a:p>
+            <a:pPr lvl="1"/>
+            <a:r>
+              <a:rPr lang="en-US" sz="1800" dirty="0"/>
+              <a:t>Challenges.</a:t>
+            </a:r>
+          </a:p>
+          <a:p>
+            <a:pPr lvl="1"/>
+            <a:r>
+              <a:rPr lang="en-US" sz="1800" dirty="0"/>
+              <a:t>Methods:</a:t>
+            </a:r>
+          </a:p>
+          <a:p>
+            <a:pPr lvl="2"/>
+            <a:r>
+              <a:rPr lang="en-US" sz="1800" dirty="0"/>
+              <a:t>Manual Scraping – copy/paste.</a:t>
+            </a:r>
+          </a:p>
+          <a:p>
+            <a:pPr lvl="2"/>
+            <a:r>
+              <a:rPr lang="en-US" sz="1800" dirty="0"/>
+              <a:t>Automated Scraping – HTML parsing, DOM parsing, </a:t>
+            </a:r>
+            <a:r>
+              <a:rPr lang="en-US" sz="1800" dirty="0" err="1"/>
+              <a:t>Xpath</a:t>
+            </a:r>
+            <a:r>
+              <a:rPr lang="en-US" sz="1800" dirty="0"/>
+              <a:t>, Text pattern matching</a:t>
             </a:r>
           </a:p>
         </p:txBody>
@@ -3921,7 +4917,7 @@
     </p:spTree>
     <p:extLst>
       <p:ext uri="{BB962C8B-B14F-4D97-AF65-F5344CB8AC3E}">
-        <p14:creationId xmlns:p14="http://schemas.microsoft.com/office/powerpoint/2010/main" val="2188301077"/>
+        <p14:creationId xmlns:p14="http://schemas.microsoft.com/office/powerpoint/2010/main" val="4109221169"/>
       </p:ext>
     </p:extLst>
   </p:cSld>
@@ -3953,7 +4949,7 @@
           <p:cNvPr id="2" name="Title 1">
             <a:extLst>
               <a:ext uri="{FF2B5EF4-FFF2-40B4-BE49-F238E27FC236}">
-                <a16:creationId xmlns:a16="http://schemas.microsoft.com/office/drawing/2014/main" id="{AC322469-99AD-454B-AD02-29EF8BBAE857}"/>
+                <a16:creationId xmlns:a16="http://schemas.microsoft.com/office/drawing/2014/main" id="{D8C10EE3-E54B-474B-A2B2-1773896CDA9D}"/>
               </a:ext>
             </a:extLst>
           </p:cNvPr>
@@ -3971,7 +4967,7 @@
           <a:p>
             <a:r>
               <a:rPr lang="en-US" dirty="0"/>
-              <a:t>Required Research</a:t>
+              <a:t>Contd..</a:t>
             </a:r>
           </a:p>
         </p:txBody>
@@ -3981,7 +4977,7 @@
           <p:cNvPr id="3" name="Date Placeholder 2">
             <a:extLst>
               <a:ext uri="{FF2B5EF4-FFF2-40B4-BE49-F238E27FC236}">
-                <a16:creationId xmlns:a16="http://schemas.microsoft.com/office/drawing/2014/main" id="{A2CED778-49BF-46CD-A881-EE2399D2B95D}"/>
+                <a16:creationId xmlns:a16="http://schemas.microsoft.com/office/drawing/2014/main" id="{31607022-A6CC-4DB4-8A11-EA8D231173EA}"/>
               </a:ext>
             </a:extLst>
           </p:cNvPr>
@@ -4000,7 +4996,7 @@
             <a:fld id="{4B008DF5-449C-4CDB-99E5-200AB76F51BF}" type="datetime1">
               <a:rPr lang="de-DE" smtClean="0"/>
               <a:pPr/>
-              <a:t>12.10.2021</a:t>
+              <a:t>16.10.2021</a:t>
             </a:fld>
             <a:endParaRPr lang="de-DE"/>
           </a:p>
@@ -4011,7 +5007,7 @@
           <p:cNvPr id="4" name="Slide Number Placeholder 3">
             <a:extLst>
               <a:ext uri="{FF2B5EF4-FFF2-40B4-BE49-F238E27FC236}">
-                <a16:creationId xmlns:a16="http://schemas.microsoft.com/office/drawing/2014/main" id="{131FF8E0-3C90-45D5-A87D-8133DC8C2D23}"/>
+                <a16:creationId xmlns:a16="http://schemas.microsoft.com/office/drawing/2014/main" id="{9A3FB1E4-36E4-49C0-B5D1-C0680FB31527}"/>
               </a:ext>
             </a:extLst>
           </p:cNvPr>
@@ -4041,7 +5037,7 @@
           <p:cNvPr id="5" name="Text Placeholder 4">
             <a:extLst>
               <a:ext uri="{FF2B5EF4-FFF2-40B4-BE49-F238E27FC236}">
-                <a16:creationId xmlns:a16="http://schemas.microsoft.com/office/drawing/2014/main" id="{A068EC98-16FB-4B90-BFFF-B9DAF68625F3}"/>
+                <a16:creationId xmlns:a16="http://schemas.microsoft.com/office/drawing/2014/main" id="{EEAE9EDD-9EB3-4AA3-8E22-0A9219C6C504}"/>
               </a:ext>
             </a:extLst>
           </p:cNvPr>
@@ -4058,122 +5054,93 @@
           <a:lstStyle/>
           <a:p>
             <a:r>
-              <a:rPr lang="en-US" sz="2000" dirty="0"/>
-              <a:t>Vulnerability Analysis:</a:t>
+              <a:rPr lang="en-US" dirty="0"/>
+              <a:t>String distance Metrics:</a:t>
             </a:r>
           </a:p>
           <a:p>
             <a:pPr lvl="1"/>
             <a:r>
-              <a:rPr lang="en-US" sz="1800" dirty="0"/>
-              <a:t>Vulnerability Attacks: </a:t>
-            </a:r>
-          </a:p>
-          <a:p>
-            <a:pPr lvl="2"/>
-            <a:r>
-              <a:rPr lang="en-US" sz="1800" dirty="0"/>
-              <a:t>Configuration, security patches, zero-day, faulty OSS package.</a:t>
+              <a:rPr lang="en-US" dirty="0"/>
+              <a:t>Hamming Distance.</a:t>
             </a:r>
           </a:p>
           <a:p>
             <a:pPr lvl="1"/>
             <a:r>
-              <a:rPr lang="en-US" sz="1800" dirty="0"/>
-              <a:t>Vulnerability Analysis types:</a:t>
-            </a:r>
-          </a:p>
-          <a:p>
-            <a:pPr lvl="2"/>
-            <a:r>
-              <a:rPr lang="en-US" sz="1800" dirty="0"/>
-              <a:t>Network, Host, Database, Application.</a:t>
+              <a:rPr lang="en-US" dirty="0" err="1"/>
+              <a:t>Levenshtein</a:t>
+            </a:r>
+            <a:r>
+              <a:rPr lang="en-US" dirty="0"/>
+              <a:t> distance.</a:t>
             </a:r>
           </a:p>
           <a:p>
             <a:pPr lvl="1"/>
             <a:r>
-              <a:rPr lang="en-US" sz="1800" dirty="0"/>
-              <a:t>Vulnerability Database:</a:t>
-            </a:r>
-          </a:p>
-          <a:p>
-            <a:pPr lvl="2"/>
-            <a:r>
-              <a:rPr lang="en-US" sz="1800" dirty="0"/>
-              <a:t>NVD, </a:t>
-            </a:r>
-            <a:r>
-              <a:rPr lang="en-US" sz="1800" dirty="0" err="1"/>
-              <a:t>SecurityFocus</a:t>
-            </a:r>
-            <a:r>
-              <a:rPr lang="en-US" sz="1800" dirty="0"/>
-              <a:t>, IBM-X force, CERT/CC</a:t>
-            </a:r>
-          </a:p>
-          <a:p>
-            <a:r>
-              <a:rPr lang="en-US" sz="2000" dirty="0"/>
-              <a:t>Data Scraping:</a:t>
+              <a:rPr lang="en-US" dirty="0" err="1"/>
+              <a:t>Damerau-Levenshtein</a:t>
+            </a:r>
+            <a:r>
+              <a:rPr lang="en-US" dirty="0"/>
+              <a:t> distance.</a:t>
             </a:r>
           </a:p>
           <a:p>
             <a:pPr lvl="1"/>
             <a:r>
-              <a:rPr lang="en-US" sz="1800" dirty="0"/>
-              <a:t>Types:</a:t>
-            </a:r>
-          </a:p>
-          <a:p>
-            <a:pPr lvl="2"/>
-            <a:r>
-              <a:rPr lang="en-US" sz="1800" dirty="0"/>
-              <a:t>Web scraping, Screen Scraping</a:t>
-            </a:r>
+              <a:rPr lang="en-US" dirty="0" err="1"/>
+              <a:t>Jaro</a:t>
+            </a:r>
+            <a:r>
+              <a:rPr lang="en-US" dirty="0"/>
+              <a:t> Distance.</a:t>
+            </a:r>
+          </a:p>
+          <a:p>
+            <a:pPr marL="0" indent="0">
+              <a:buNone/>
+            </a:pPr>
+            <a:endParaRPr lang="en-US" dirty="0"/>
+          </a:p>
+          <a:p>
+            <a:pPr marL="0" indent="0">
+              <a:buNone/>
+            </a:pPr>
+            <a:r>
+              <a:rPr lang="en-US" dirty="0"/>
+              <a:t>Questions:</a:t>
+            </a:r>
+          </a:p>
+          <a:p>
+            <a:r>
+              <a:rPr lang="en-US" dirty="0"/>
+              <a:t>What type of analysis method can be used for extracting the open-source software components from a software project?</a:t>
+            </a:r>
+          </a:p>
+          <a:p>
+            <a:r>
+              <a:rPr lang="en-US" dirty="0"/>
+              <a:t>How the software components can be evaluated to find the vulnerability?</a:t>
+            </a:r>
+          </a:p>
+          <a:p>
+            <a:pPr marL="0" indent="0">
+              <a:buNone/>
+            </a:pPr>
+            <a:endParaRPr lang="en-US" dirty="0"/>
           </a:p>
           <a:p>
             <a:pPr lvl="1"/>
-            <a:r>
-              <a:rPr lang="en-US" sz="1800" dirty="0"/>
-              <a:t>Challenges.</a:t>
-            </a:r>
-          </a:p>
-          <a:p>
-            <a:pPr lvl="1"/>
-            <a:r>
-              <a:rPr lang="en-US" sz="1800" dirty="0"/>
-              <a:t>Methods:</a:t>
-            </a:r>
-          </a:p>
-          <a:p>
-            <a:pPr lvl="2"/>
-            <a:r>
-              <a:rPr lang="en-US" sz="1800" dirty="0"/>
-              <a:t>Manual Scraping – copy/paste.</a:t>
-            </a:r>
-          </a:p>
-          <a:p>
-            <a:pPr lvl="2"/>
-            <a:r>
-              <a:rPr lang="en-US" sz="1800" dirty="0"/>
-              <a:t>Automated Scraping – HTML parsing, DOM parsing, </a:t>
-            </a:r>
-            <a:r>
-              <a:rPr lang="en-US" sz="1800" dirty="0" err="1"/>
-              <a:t>Xpath</a:t>
-            </a:r>
-            <a:r>
-              <a:rPr lang="en-US" sz="1800" dirty="0"/>
-              <a:t>, Text pattern matching</a:t>
-            </a:r>
+            <a:endParaRPr lang="en-US" dirty="0"/>
           </a:p>
         </p:txBody>
       </p:sp>
     </p:spTree>
     <p:extLst>
       <p:ext uri="{BB962C8B-B14F-4D97-AF65-F5344CB8AC3E}">
-        <p14:creationId xmlns:p14="http://schemas.microsoft.com/office/powerpoint/2010/main" val="4109221169"/>
+        <p14:creationId xmlns:p14="http://schemas.microsoft.com/office/powerpoint/2010/main" val="877780429"/>
       </p:ext>
     </p:extLst>
   </p:cSld>
@@ -4205,7 +5172,7 @@
           <p:cNvPr id="2" name="Title 1">
             <a:extLst>
               <a:ext uri="{FF2B5EF4-FFF2-40B4-BE49-F238E27FC236}">
-                <a16:creationId xmlns:a16="http://schemas.microsoft.com/office/drawing/2014/main" id="{D8C10EE3-E54B-474B-A2B2-1773896CDA9D}"/>
+                <a16:creationId xmlns:a16="http://schemas.microsoft.com/office/drawing/2014/main" id="{04B01A08-1CE9-4EB8-88B3-DE32BB4CCB9B}"/>
               </a:ext>
             </a:extLst>
           </p:cNvPr>
@@ -4223,7 +5190,7 @@
           <a:p>
             <a:r>
               <a:rPr lang="en-US" dirty="0"/>
-              <a:t>Contd..</a:t>
+              <a:t>Design</a:t>
             </a:r>
           </a:p>
         </p:txBody>
@@ -4233,7 +5200,7 @@
           <p:cNvPr id="3" name="Date Placeholder 2">
             <a:extLst>
               <a:ext uri="{FF2B5EF4-FFF2-40B4-BE49-F238E27FC236}">
-                <a16:creationId xmlns:a16="http://schemas.microsoft.com/office/drawing/2014/main" id="{31607022-A6CC-4DB4-8A11-EA8D231173EA}"/>
+                <a16:creationId xmlns:a16="http://schemas.microsoft.com/office/drawing/2014/main" id="{0DF4342A-B4CB-4254-8BCB-A2A91B843BFA}"/>
               </a:ext>
             </a:extLst>
           </p:cNvPr>
@@ -4252,7 +5219,7 @@
             <a:fld id="{4B008DF5-449C-4CDB-99E5-200AB76F51BF}" type="datetime1">
               <a:rPr lang="de-DE" smtClean="0"/>
               <a:pPr/>
-              <a:t>12.10.2021</a:t>
+              <a:t>16.10.2021</a:t>
             </a:fld>
             <a:endParaRPr lang="de-DE"/>
           </a:p>
@@ -4263,7 +5230,7 @@
           <p:cNvPr id="4" name="Slide Number Placeholder 3">
             <a:extLst>
               <a:ext uri="{FF2B5EF4-FFF2-40B4-BE49-F238E27FC236}">
-                <a16:creationId xmlns:a16="http://schemas.microsoft.com/office/drawing/2014/main" id="{9A3FB1E4-36E4-49C0-B5D1-C0680FB31527}"/>
+                <a16:creationId xmlns:a16="http://schemas.microsoft.com/office/drawing/2014/main" id="{DFC27E4B-1CD1-4BB6-87B2-50BDEE5A8C6C}"/>
               </a:ext>
             </a:extLst>
           </p:cNvPr>
@@ -4283,196 +5250,6 @@
               <a:rPr lang="de-DE" smtClean="0"/>
               <a:pPr/>
               <a:t>7</a:t>
-            </a:fld>
-            <a:endParaRPr lang="de-DE"/>
-          </a:p>
-        </p:txBody>
-      </p:sp>
-      <p:sp>
-        <p:nvSpPr>
-          <p:cNvPr id="5" name="Text Placeholder 4">
-            <a:extLst>
-              <a:ext uri="{FF2B5EF4-FFF2-40B4-BE49-F238E27FC236}">
-                <a16:creationId xmlns:a16="http://schemas.microsoft.com/office/drawing/2014/main" id="{EEAE9EDD-9EB3-4AA3-8E22-0A9219C6C504}"/>
-              </a:ext>
-            </a:extLst>
-          </p:cNvPr>
-          <p:cNvSpPr>
-            <a:spLocks noGrp="1"/>
-          </p:cNvSpPr>
-          <p:nvPr>
-            <p:ph type="body" sz="quarter" idx="13"/>
-          </p:nvPr>
-        </p:nvSpPr>
-        <p:spPr/>
-        <p:txBody>
-          <a:bodyPr/>
-          <a:lstStyle/>
-          <a:p>
-            <a:r>
-              <a:rPr lang="en-US" dirty="0"/>
-              <a:t>String distance Metrics:</a:t>
-            </a:r>
-          </a:p>
-          <a:p>
-            <a:pPr lvl="1"/>
-            <a:r>
-              <a:rPr lang="en-US" dirty="0"/>
-              <a:t>Hamming Distance.</a:t>
-            </a:r>
-          </a:p>
-          <a:p>
-            <a:pPr lvl="1"/>
-            <a:r>
-              <a:rPr lang="en-US" dirty="0" err="1"/>
-              <a:t>Levenshtein</a:t>
-            </a:r>
-            <a:r>
-              <a:rPr lang="en-US" dirty="0"/>
-              <a:t> distance.</a:t>
-            </a:r>
-          </a:p>
-          <a:p>
-            <a:pPr lvl="1"/>
-            <a:r>
-              <a:rPr lang="en-US" dirty="0" err="1"/>
-              <a:t>Damerau-Levenshtein</a:t>
-            </a:r>
-            <a:r>
-              <a:rPr lang="en-US" dirty="0"/>
-              <a:t> distance.</a:t>
-            </a:r>
-          </a:p>
-          <a:p>
-            <a:pPr lvl="1"/>
-            <a:r>
-              <a:rPr lang="en-US" dirty="0" err="1"/>
-              <a:t>Jaro</a:t>
-            </a:r>
-            <a:r>
-              <a:rPr lang="en-US" dirty="0"/>
-              <a:t> Distance.</a:t>
-            </a:r>
-          </a:p>
-          <a:p>
-            <a:pPr lvl="1"/>
-            <a:endParaRPr lang="en-US" dirty="0"/>
-          </a:p>
-        </p:txBody>
-      </p:sp>
-    </p:spTree>
-    <p:extLst>
-      <p:ext uri="{BB962C8B-B14F-4D97-AF65-F5344CB8AC3E}">
-        <p14:creationId xmlns:p14="http://schemas.microsoft.com/office/powerpoint/2010/main" val="877780429"/>
-      </p:ext>
-    </p:extLst>
-  </p:cSld>
-  <p:clrMapOvr>
-    <a:masterClrMapping/>
-  </p:clrMapOvr>
-</p:sld>
-</file>
-
-<file path=ppt/slides/slide8.xml><?xml version="1.0" encoding="utf-8"?>
-<p:sld xmlns:a="http://schemas.openxmlformats.org/drawingml/2006/main" xmlns:r="http://schemas.openxmlformats.org/officeDocument/2006/relationships" xmlns:p="http://schemas.openxmlformats.org/presentationml/2006/main">
-  <p:cSld>
-    <p:spTree>
-      <p:nvGrpSpPr>
-        <p:cNvPr id="1" name=""/>
-        <p:cNvGrpSpPr/>
-        <p:nvPr/>
-      </p:nvGrpSpPr>
-      <p:grpSpPr>
-        <a:xfrm>
-          <a:off x="0" y="0"/>
-          <a:ext cx="0" cy="0"/>
-          <a:chOff x="0" y="0"/>
-          <a:chExt cx="0" cy="0"/>
-        </a:xfrm>
-      </p:grpSpPr>
-      <p:sp>
-        <p:nvSpPr>
-          <p:cNvPr id="2" name="Title 1">
-            <a:extLst>
-              <a:ext uri="{FF2B5EF4-FFF2-40B4-BE49-F238E27FC236}">
-                <a16:creationId xmlns:a16="http://schemas.microsoft.com/office/drawing/2014/main" id="{04B01A08-1CE9-4EB8-88B3-DE32BB4CCB9B}"/>
-              </a:ext>
-            </a:extLst>
-          </p:cNvPr>
-          <p:cNvSpPr>
-            <a:spLocks noGrp="1"/>
-          </p:cNvSpPr>
-          <p:nvPr>
-            <p:ph type="title"/>
-          </p:nvPr>
-        </p:nvSpPr>
-        <p:spPr/>
-        <p:txBody>
-          <a:bodyPr/>
-          <a:lstStyle/>
-          <a:p>
-            <a:r>
-              <a:rPr lang="en-US" dirty="0"/>
-              <a:t>Architecture</a:t>
-            </a:r>
-          </a:p>
-        </p:txBody>
-      </p:sp>
-      <p:sp>
-        <p:nvSpPr>
-          <p:cNvPr id="3" name="Date Placeholder 2">
-            <a:extLst>
-              <a:ext uri="{FF2B5EF4-FFF2-40B4-BE49-F238E27FC236}">
-                <a16:creationId xmlns:a16="http://schemas.microsoft.com/office/drawing/2014/main" id="{0DF4342A-B4CB-4254-8BCB-A2A91B843BFA}"/>
-              </a:ext>
-            </a:extLst>
-          </p:cNvPr>
-          <p:cNvSpPr>
-            <a:spLocks noGrp="1"/>
-          </p:cNvSpPr>
-          <p:nvPr>
-            <p:ph type="dt" sz="half" idx="10"/>
-          </p:nvPr>
-        </p:nvSpPr>
-        <p:spPr/>
-        <p:txBody>
-          <a:bodyPr/>
-          <a:lstStyle/>
-          <a:p>
-            <a:fld id="{4B008DF5-449C-4CDB-99E5-200AB76F51BF}" type="datetime1">
-              <a:rPr lang="de-DE" smtClean="0"/>
-              <a:pPr/>
-              <a:t>12.10.2021</a:t>
-            </a:fld>
-            <a:endParaRPr lang="de-DE"/>
-          </a:p>
-        </p:txBody>
-      </p:sp>
-      <p:sp>
-        <p:nvSpPr>
-          <p:cNvPr id="4" name="Slide Number Placeholder 3">
-            <a:extLst>
-              <a:ext uri="{FF2B5EF4-FFF2-40B4-BE49-F238E27FC236}">
-                <a16:creationId xmlns:a16="http://schemas.microsoft.com/office/drawing/2014/main" id="{DFC27E4B-1CD1-4BB6-87B2-50BDEE5A8C6C}"/>
-              </a:ext>
-            </a:extLst>
-          </p:cNvPr>
-          <p:cNvSpPr>
-            <a:spLocks noGrp="1"/>
-          </p:cNvSpPr>
-          <p:nvPr>
-            <p:ph type="sldNum" sz="quarter" idx="12"/>
-          </p:nvPr>
-        </p:nvSpPr>
-        <p:spPr/>
-        <p:txBody>
-          <a:bodyPr/>
-          <a:lstStyle/>
-          <a:p>
-            <a:fld id="{50E76E58-F275-47A3-BB17-470016A267B6}" type="slidenum">
-              <a:rPr lang="de-DE" smtClean="0"/>
-              <a:pPr/>
-              <a:t>8</a:t>
             </a:fld>
             <a:endParaRPr lang="de-DE"/>
           </a:p>
@@ -4555,6 +5332,226 @@
 </p:sld>
 </file>
 
+<file path=ppt/slides/slide8.xml><?xml version="1.0" encoding="utf-8"?>
+<p:sld xmlns:a="http://schemas.openxmlformats.org/drawingml/2006/main" xmlns:r="http://schemas.openxmlformats.org/officeDocument/2006/relationships" xmlns:p="http://schemas.openxmlformats.org/presentationml/2006/main">
+  <p:cSld>
+    <p:spTree>
+      <p:nvGrpSpPr>
+        <p:cNvPr id="1" name=""/>
+        <p:cNvGrpSpPr/>
+        <p:nvPr/>
+      </p:nvGrpSpPr>
+      <p:grpSpPr>
+        <a:xfrm>
+          <a:off x="0" y="0"/>
+          <a:ext cx="0" cy="0"/>
+          <a:chOff x="0" y="0"/>
+          <a:chExt cx="0" cy="0"/>
+        </a:xfrm>
+      </p:grpSpPr>
+      <p:sp>
+        <p:nvSpPr>
+          <p:cNvPr id="2" name="Title 1">
+            <a:extLst>
+              <a:ext uri="{FF2B5EF4-FFF2-40B4-BE49-F238E27FC236}">
+                <a16:creationId xmlns:a16="http://schemas.microsoft.com/office/drawing/2014/main" id="{7D9E27EC-5C50-45D1-A5B7-2C8EF6D530C0}"/>
+              </a:ext>
+            </a:extLst>
+          </p:cNvPr>
+          <p:cNvSpPr>
+            <a:spLocks noGrp="1"/>
+          </p:cNvSpPr>
+          <p:nvPr>
+            <p:ph type="title"/>
+          </p:nvPr>
+        </p:nvSpPr>
+        <p:spPr/>
+        <p:txBody>
+          <a:bodyPr/>
+          <a:lstStyle/>
+          <a:p>
+            <a:r>
+              <a:rPr lang="en-US" dirty="0"/>
+              <a:t>Challenges</a:t>
+            </a:r>
+          </a:p>
+        </p:txBody>
+      </p:sp>
+      <p:sp>
+        <p:nvSpPr>
+          <p:cNvPr id="3" name="Date Placeholder 2">
+            <a:extLst>
+              <a:ext uri="{FF2B5EF4-FFF2-40B4-BE49-F238E27FC236}">
+                <a16:creationId xmlns:a16="http://schemas.microsoft.com/office/drawing/2014/main" id="{C6205AAC-F0D4-43A3-A25A-00EFAEF2A719}"/>
+              </a:ext>
+            </a:extLst>
+          </p:cNvPr>
+          <p:cNvSpPr>
+            <a:spLocks noGrp="1"/>
+          </p:cNvSpPr>
+          <p:nvPr>
+            <p:ph type="dt" sz="half" idx="10"/>
+          </p:nvPr>
+        </p:nvSpPr>
+        <p:spPr/>
+        <p:txBody>
+          <a:bodyPr/>
+          <a:lstStyle/>
+          <a:p>
+            <a:fld id="{4B008DF5-449C-4CDB-99E5-200AB76F51BF}" type="datetime1">
+              <a:rPr lang="de-DE" smtClean="0"/>
+              <a:pPr/>
+              <a:t>16.10.2021</a:t>
+            </a:fld>
+            <a:endParaRPr lang="de-DE"/>
+          </a:p>
+        </p:txBody>
+      </p:sp>
+      <p:sp>
+        <p:nvSpPr>
+          <p:cNvPr id="4" name="Slide Number Placeholder 3">
+            <a:extLst>
+              <a:ext uri="{FF2B5EF4-FFF2-40B4-BE49-F238E27FC236}">
+                <a16:creationId xmlns:a16="http://schemas.microsoft.com/office/drawing/2014/main" id="{FCA0C266-1ED6-414C-8332-96C616F6566F}"/>
+              </a:ext>
+            </a:extLst>
+          </p:cNvPr>
+          <p:cNvSpPr>
+            <a:spLocks noGrp="1"/>
+          </p:cNvSpPr>
+          <p:nvPr>
+            <p:ph type="sldNum" sz="quarter" idx="12"/>
+          </p:nvPr>
+        </p:nvSpPr>
+        <p:spPr/>
+        <p:txBody>
+          <a:bodyPr/>
+          <a:lstStyle/>
+          <a:p>
+            <a:fld id="{50E76E58-F275-47A3-BB17-470016A267B6}" type="slidenum">
+              <a:rPr lang="de-DE" smtClean="0"/>
+              <a:pPr/>
+              <a:t>8</a:t>
+            </a:fld>
+            <a:endParaRPr lang="de-DE"/>
+          </a:p>
+        </p:txBody>
+      </p:sp>
+      <p:sp>
+        <p:nvSpPr>
+          <p:cNvPr id="5" name="Text Placeholder 4">
+            <a:extLst>
+              <a:ext uri="{FF2B5EF4-FFF2-40B4-BE49-F238E27FC236}">
+                <a16:creationId xmlns:a16="http://schemas.microsoft.com/office/drawing/2014/main" id="{5B61D442-0C89-4492-BD9E-16DC5D569F80}"/>
+              </a:ext>
+            </a:extLst>
+          </p:cNvPr>
+          <p:cNvSpPr>
+            <a:spLocks noGrp="1"/>
+          </p:cNvSpPr>
+          <p:nvPr>
+            <p:ph type="body" sz="quarter" idx="13"/>
+          </p:nvPr>
+        </p:nvSpPr>
+        <p:spPr/>
+        <p:txBody>
+          <a:bodyPr/>
+          <a:lstStyle/>
+          <a:p>
+            <a:r>
+              <a:rPr lang="en-US" dirty="0"/>
+              <a:t>Application Framework:	</a:t>
+            </a:r>
+          </a:p>
+          <a:p>
+            <a:pPr lvl="1"/>
+            <a:r>
+              <a:rPr lang="en-US" dirty="0"/>
+              <a:t>Choosing frontend framework.</a:t>
+            </a:r>
+          </a:p>
+          <a:p>
+            <a:pPr lvl="1"/>
+            <a:r>
+              <a:rPr lang="en-US" dirty="0"/>
+              <a:t>Learning Angular Framework.</a:t>
+            </a:r>
+          </a:p>
+          <a:p>
+            <a:r>
+              <a:rPr lang="en-US" dirty="0"/>
+              <a:t>Config File Structure:</a:t>
+            </a:r>
+          </a:p>
+          <a:p>
+            <a:pPr lvl="1"/>
+            <a:r>
+              <a:rPr lang="en-US" dirty="0"/>
+              <a:t>Different file types.</a:t>
+            </a:r>
+          </a:p>
+          <a:p>
+            <a:pPr lvl="1"/>
+            <a:r>
+              <a:rPr lang="en-US" dirty="0"/>
+              <a:t>Dependency managers.</a:t>
+            </a:r>
+          </a:p>
+          <a:p>
+            <a:pPr lvl="1"/>
+            <a:r>
+              <a:rPr lang="en-US" dirty="0"/>
+              <a:t>Create a generic function.</a:t>
+            </a:r>
+          </a:p>
+          <a:p>
+            <a:r>
+              <a:rPr lang="en-US" dirty="0"/>
+              <a:t>Finding the right regex:</a:t>
+            </a:r>
+          </a:p>
+          <a:p>
+            <a:pPr lvl="1"/>
+            <a:r>
+              <a:rPr lang="en-US" dirty="0"/>
+              <a:t>Ruby on Rails, Gradle and Django.</a:t>
+            </a:r>
+          </a:p>
+          <a:p>
+            <a:r>
+              <a:rPr lang="en-US" dirty="0"/>
+              <a:t>Result Verification:</a:t>
+            </a:r>
+          </a:p>
+          <a:p>
+            <a:pPr lvl="1"/>
+            <a:r>
+              <a:rPr lang="en-US" dirty="0"/>
+              <a:t>Expected result.</a:t>
+            </a:r>
+          </a:p>
+          <a:p>
+            <a:pPr lvl="1"/>
+            <a:r>
+              <a:rPr lang="en-US" dirty="0"/>
+              <a:t>Code modification.</a:t>
+            </a:r>
+          </a:p>
+        </p:txBody>
+      </p:sp>
+    </p:spTree>
+    <p:extLst>
+      <p:ext uri="{BB962C8B-B14F-4D97-AF65-F5344CB8AC3E}">
+        <p14:creationId xmlns:p14="http://schemas.microsoft.com/office/powerpoint/2010/main" val="51991537"/>
+      </p:ext>
+    </p:extLst>
+  </p:cSld>
+  <p:clrMapOvr>
+    <a:masterClrMapping/>
+  </p:clrMapOvr>
+</p:sld>
+</file>
+
 <file path=ppt/slides/slide9.xml><?xml version="1.0" encoding="utf-8"?>
 <p:sld xmlns:a="http://schemas.openxmlformats.org/drawingml/2006/main" xmlns:r="http://schemas.openxmlformats.org/officeDocument/2006/relationships" xmlns:p="http://schemas.openxmlformats.org/presentationml/2006/main">
   <p:cSld>
@@ -4624,7 +5621,7 @@
             <a:fld id="{4B008DF5-449C-4CDB-99E5-200AB76F51BF}" type="datetime1">
               <a:rPr lang="de-DE" smtClean="0"/>
               <a:pPr/>
-              <a:t>12.10.2021</a:t>
+              <a:t>16.10.2021</a:t>
             </a:fld>
             <a:endParaRPr lang="de-DE"/>
           </a:p>
@@ -4697,29 +5694,72 @@
             <a:pPr lvl="1"/>
             <a:r>
               <a:rPr lang="en-US" dirty="0"/>
+              <a:t>Input: Project name, Description, members and project source directory.</a:t>
+            </a:r>
+          </a:p>
+          <a:p>
+            <a:pPr lvl="1"/>
+            <a:r>
+              <a:rPr lang="en-US" dirty="0"/>
+              <a:t>Once soured directory is dropped:</a:t>
+            </a:r>
+          </a:p>
+          <a:p>
+            <a:pPr lvl="2"/>
+            <a:r>
+              <a:rPr lang="en-US" dirty="0"/>
               <a:t>Scans for OSS components/libraries.</a:t>
             </a:r>
           </a:p>
           <a:p>
-            <a:pPr lvl="1"/>
+            <a:pPr lvl="2"/>
+            <a:r>
+              <a:rPr lang="en-US" dirty="0"/>
+              <a:t>Extracts only component name and version.</a:t>
+            </a:r>
+          </a:p>
+          <a:p>
+            <a:pPr lvl="2"/>
             <a:r>
               <a:rPr lang="en-US" dirty="0"/>
               <a:t>Scraps OSS components based on dependency manager.</a:t>
             </a:r>
           </a:p>
           <a:p>
-            <a:pPr lvl="1"/>
-            <a:r>
-              <a:rPr lang="en-US" dirty="0"/>
-              <a:t>Extracts only component name and version.</a:t>
-            </a:r>
-          </a:p>
-          <a:p>
-            <a:pPr lvl="1"/>
             <a:endParaRPr lang="en-US" dirty="0"/>
           </a:p>
         </p:txBody>
       </p:sp>
+      <p:pic>
+        <p:nvPicPr>
+          <p:cNvPr id="7" name="Picture 6">
+            <a:extLst>
+              <a:ext uri="{FF2B5EF4-FFF2-40B4-BE49-F238E27FC236}">
+                <a16:creationId xmlns:a16="http://schemas.microsoft.com/office/drawing/2014/main" id="{E15D4303-604A-462C-9E67-8E024CE3CE40}"/>
+              </a:ext>
+            </a:extLst>
+          </p:cNvPr>
+          <p:cNvPicPr>
+            <a:picLocks noChangeAspect="1"/>
+          </p:cNvPicPr>
+          <p:nvPr/>
+        </p:nvPicPr>
+        <p:blipFill>
+          <a:blip r:embed="rId2"/>
+          <a:stretch>
+            <a:fillRect/>
+          </a:stretch>
+        </p:blipFill>
+        <p:spPr>
+          <a:xfrm>
+            <a:off x="1143000" y="4004645"/>
+            <a:ext cx="6192839" cy="2160130"/>
+          </a:xfrm>
+          <a:prstGeom prst="rect">
+            <a:avLst/>
+          </a:prstGeom>
+        </p:spPr>
+      </p:pic>
     </p:spTree>
     <p:extLst>
       <p:ext uri="{BB962C8B-B14F-4D97-AF65-F5344CB8AC3E}">
